--- a/(21-33주차) GitHub 스터디_주학종.pptx
+++ b/(21-33주차) GitHub 스터디_주학종.pptx
@@ -5,28 +5,29 @@
     <p:sldMasterId id="2147483648" r:id="rId1"/>
   </p:sldMasterIdLst>
   <p:notesMasterIdLst>
-    <p:notesMasterId r:id="rId5"/>
+    <p:notesMasterId r:id="rId6"/>
   </p:notesMasterIdLst>
   <p:sldIdLst>
     <p:sldId id="256" r:id="rId2"/>
     <p:sldId id="395" r:id="rId3"/>
     <p:sldId id="397" r:id="rId4"/>
+    <p:sldId id="398" r:id="rId5"/>
   </p:sldIdLst>
   <p:sldSz cx="12192000" cy="6858000"/>
   <p:notesSz cx="6858000" cy="9144000"/>
   <p:embeddedFontLst>
     <p:embeddedFont>
+      <p:font typeface="맑은 고딕" panose="020B0503020000020004" pitchFamily="50" charset="-127"/>
+      <p:regular r:id="rId7"/>
+      <p:bold r:id="rId8"/>
+    </p:embeddedFont>
+    <p:embeddedFont>
       <p:font typeface="나눔스퀘어" panose="020B0600000101010101" pitchFamily="50" charset="-127"/>
-      <p:regular r:id="rId6"/>
+      <p:regular r:id="rId9"/>
     </p:embeddedFont>
     <p:embeddedFont>
       <p:font typeface="나눔스퀘어 ExtraBold" panose="020B0600000101010101" pitchFamily="50" charset="-127"/>
-      <p:bold r:id="rId7"/>
-    </p:embeddedFont>
-    <p:embeddedFont>
-      <p:font typeface="맑은 고딕" panose="020B0503020000020004" pitchFamily="50" charset="-127"/>
-      <p:regular r:id="rId8"/>
-      <p:bold r:id="rId9"/>
+      <p:bold r:id="rId10"/>
     </p:embeddedFont>
   </p:embeddedFontLst>
   <p:defaultTextStyle>
@@ -740,6 +741,90 @@
     <p:extLst>
       <p:ext uri="{BB962C8B-B14F-4D97-AF65-F5344CB8AC3E}">
         <p14:creationId xmlns:p14="http://schemas.microsoft.com/office/powerpoint/2010/main" val="3074882248"/>
+      </p:ext>
+    </p:extLst>
+  </p:cSld>
+  <p:clrMapOvr>
+    <a:masterClrMapping/>
+  </p:clrMapOvr>
+</p:notes>
+</file>
+
+<file path=ppt/notesSlides/notesSlide4.xml><?xml version="1.0" encoding="utf-8"?>
+<p:notes xmlns:a="http://schemas.openxmlformats.org/drawingml/2006/main" xmlns:r="http://schemas.openxmlformats.org/officeDocument/2006/relationships" xmlns:p="http://schemas.openxmlformats.org/presentationml/2006/main">
+  <p:cSld>
+    <p:spTree>
+      <p:nvGrpSpPr>
+        <p:cNvPr id="1" name=""/>
+        <p:cNvGrpSpPr/>
+        <p:nvPr/>
+      </p:nvGrpSpPr>
+      <p:grpSpPr>
+        <a:xfrm>
+          <a:off x="0" y="0"/>
+          <a:ext cx="0" cy="0"/>
+          <a:chOff x="0" y="0"/>
+          <a:chExt cx="0" cy="0"/>
+        </a:xfrm>
+      </p:grpSpPr>
+      <p:sp>
+        <p:nvSpPr>
+          <p:cNvPr id="2" name="슬라이드 이미지 개체 틀 1"/>
+          <p:cNvSpPr>
+            <a:spLocks noGrp="1" noRot="1" noChangeAspect="1"/>
+          </p:cNvSpPr>
+          <p:nvPr>
+            <p:ph type="sldImg"/>
+          </p:nvPr>
+        </p:nvSpPr>
+        <p:spPr/>
+      </p:sp>
+      <p:sp>
+        <p:nvSpPr>
+          <p:cNvPr id="3" name="슬라이드 노트 개체 틀 2"/>
+          <p:cNvSpPr>
+            <a:spLocks noGrp="1"/>
+          </p:cNvSpPr>
+          <p:nvPr>
+            <p:ph type="body" idx="1"/>
+          </p:nvPr>
+        </p:nvSpPr>
+        <p:spPr/>
+        <p:txBody>
+          <a:bodyPr/>
+          <a:lstStyle/>
+          <a:p>
+            <a:endParaRPr lang="en-US" altLang="ko-KR" baseline="0" dirty="0"/>
+          </a:p>
+        </p:txBody>
+      </p:sp>
+      <p:sp>
+        <p:nvSpPr>
+          <p:cNvPr id="4" name="슬라이드 번호 개체 틀 3"/>
+          <p:cNvSpPr>
+            <a:spLocks noGrp="1"/>
+          </p:cNvSpPr>
+          <p:nvPr>
+            <p:ph type="sldNum" sz="quarter" idx="10"/>
+          </p:nvPr>
+        </p:nvSpPr>
+        <p:spPr/>
+        <p:txBody>
+          <a:bodyPr/>
+          <a:lstStyle/>
+          <a:p>
+            <a:fld id="{116A6877-8B73-4A95-9B70-003271156E6C}" type="slidenum">
+              <a:rPr lang="ko-KR" altLang="en-US" smtClean="0"/>
+              <a:t>4</a:t>
+            </a:fld>
+            <a:endParaRPr lang="ko-KR" altLang="en-US"/>
+          </a:p>
+        </p:txBody>
+      </p:sp>
+    </p:spTree>
+    <p:extLst>
+      <p:ext uri="{BB962C8B-B14F-4D97-AF65-F5344CB8AC3E}">
+        <p14:creationId xmlns:p14="http://schemas.microsoft.com/office/powerpoint/2010/main" val="226035124"/>
       </p:ext>
     </p:extLst>
   </p:cSld>
@@ -6581,6 +6666,2048 @@
 </p:sld>
 </file>
 
+<file path=ppt/slides/slide4.xml><?xml version="1.0" encoding="utf-8"?>
+<p:sld xmlns:a="http://schemas.openxmlformats.org/drawingml/2006/main" xmlns:r="http://schemas.openxmlformats.org/officeDocument/2006/relationships" xmlns:p="http://schemas.openxmlformats.org/presentationml/2006/main">
+  <p:cSld>
+    <p:spTree>
+      <p:nvGrpSpPr>
+        <p:cNvPr id="1" name=""/>
+        <p:cNvGrpSpPr/>
+        <p:nvPr/>
+      </p:nvGrpSpPr>
+      <p:grpSpPr>
+        <a:xfrm>
+          <a:off x="0" y="0"/>
+          <a:ext cx="0" cy="0"/>
+          <a:chOff x="0" y="0"/>
+          <a:chExt cx="0" cy="0"/>
+        </a:xfrm>
+      </p:grpSpPr>
+      <p:sp>
+        <p:nvSpPr>
+          <p:cNvPr id="2" name="TextBox 1"/>
+          <p:cNvSpPr txBox="1"/>
+          <p:nvPr/>
+        </p:nvSpPr>
+        <p:spPr>
+          <a:xfrm>
+            <a:off x="461963" y="228478"/>
+            <a:ext cx="6120870" cy="492443"/>
+          </a:xfrm>
+          <a:prstGeom prst="rect">
+            <a:avLst/>
+          </a:prstGeom>
+          <a:noFill/>
+        </p:spPr>
+        <p:txBody>
+          <a:bodyPr wrap="square" rtlCol="0">
+            <a:spAutoFit/>
+          </a:bodyPr>
+          <a:lstStyle/>
+          <a:p>
+            <a:r>
+              <a:rPr lang="en-US" altLang="ko-KR" sz="2600" dirty="0">
+                <a:solidFill>
+                  <a:srgbClr val="1A236F"/>
+                </a:solidFill>
+                <a:latin typeface="나눔스퀘어 ExtraBold" panose="020B0600000101010101" pitchFamily="50" charset="-127"/>
+                <a:ea typeface="나눔스퀘어 ExtraBold" panose="020B0600000101010101" pitchFamily="50" charset="-127"/>
+              </a:rPr>
+              <a:t>Git </a:t>
+            </a:r>
+            <a:r>
+              <a:rPr lang="ko-KR" altLang="en-US" sz="2600" dirty="0">
+                <a:solidFill>
+                  <a:srgbClr val="1A236F"/>
+                </a:solidFill>
+                <a:latin typeface="나눔스퀘어 ExtraBold" panose="020B0600000101010101" pitchFamily="50" charset="-127"/>
+                <a:ea typeface="나눔스퀘어 ExtraBold" panose="020B0600000101010101" pitchFamily="50" charset="-127"/>
+              </a:rPr>
+              <a:t>기본 명령어</a:t>
+            </a:r>
+            <a:endParaRPr lang="en-US" altLang="ko-KR" sz="2600" dirty="0">
+              <a:solidFill>
+                <a:srgbClr val="1A236F"/>
+              </a:solidFill>
+              <a:latin typeface="나눔스퀘어 ExtraBold" panose="020B0600000101010101" pitchFamily="50" charset="-127"/>
+              <a:ea typeface="나눔스퀘어 ExtraBold" panose="020B0600000101010101" pitchFamily="50" charset="-127"/>
+            </a:endParaRPr>
+          </a:p>
+        </p:txBody>
+      </p:sp>
+      <p:sp>
+        <p:nvSpPr>
+          <p:cNvPr id="4" name="직사각형 3"/>
+          <p:cNvSpPr/>
+          <p:nvPr/>
+        </p:nvSpPr>
+        <p:spPr>
+          <a:xfrm>
+            <a:off x="1" y="-1"/>
+            <a:ext cx="568324" cy="86628"/>
+          </a:xfrm>
+          <a:prstGeom prst="rect">
+            <a:avLst/>
+          </a:prstGeom>
+          <a:solidFill>
+            <a:srgbClr val="02AC8A"/>
+          </a:solidFill>
+          <a:ln>
+            <a:noFill/>
+          </a:ln>
+        </p:spPr>
+        <p:style>
+          <a:lnRef idx="2">
+            <a:schemeClr val="accent1">
+              <a:shade val="50000"/>
+            </a:schemeClr>
+          </a:lnRef>
+          <a:fillRef idx="1">
+            <a:schemeClr val="accent1"/>
+          </a:fillRef>
+          <a:effectRef idx="0">
+            <a:schemeClr val="accent1"/>
+          </a:effectRef>
+          <a:fontRef idx="minor">
+            <a:schemeClr val="lt1"/>
+          </a:fontRef>
+        </p:style>
+        <p:txBody>
+          <a:bodyPr rtlCol="0" anchor="ctr"/>
+          <a:lstStyle/>
+          <a:p>
+            <a:pPr algn="ctr"/>
+            <a:endParaRPr lang="ko-KR" altLang="en-US"/>
+          </a:p>
+        </p:txBody>
+      </p:sp>
+      <p:grpSp>
+        <p:nvGrpSpPr>
+          <p:cNvPr id="48" name="그룹 47">
+            <a:extLst>
+              <a:ext uri="{FF2B5EF4-FFF2-40B4-BE49-F238E27FC236}">
+                <a16:creationId xmlns:a16="http://schemas.microsoft.com/office/drawing/2014/main" id="{6FEE9A87-BFA8-4F8A-A46E-D2A268A2C50D}"/>
+              </a:ext>
+            </a:extLst>
+          </p:cNvPr>
+          <p:cNvGrpSpPr/>
+          <p:nvPr/>
+        </p:nvGrpSpPr>
+        <p:grpSpPr>
+          <a:xfrm>
+            <a:off x="221673" y="891555"/>
+            <a:ext cx="11970327" cy="941987"/>
+            <a:chOff x="221673" y="1182361"/>
+            <a:chExt cx="11970327" cy="941987"/>
+          </a:xfrm>
+        </p:grpSpPr>
+        <p:sp>
+          <p:nvSpPr>
+            <p:cNvPr id="3" name="화살표: 오른쪽 2">
+              <a:extLst>
+                <a:ext uri="{FF2B5EF4-FFF2-40B4-BE49-F238E27FC236}">
+                  <a16:creationId xmlns:a16="http://schemas.microsoft.com/office/drawing/2014/main" id="{4609B542-1AA5-467D-8DB6-08B0A86C5B44}"/>
+                </a:ext>
+              </a:extLst>
+            </p:cNvPr>
+            <p:cNvSpPr/>
+            <p:nvPr/>
+          </p:nvSpPr>
+          <p:spPr>
+            <a:xfrm>
+              <a:off x="221673" y="1237673"/>
+              <a:ext cx="346652" cy="267854"/>
+            </a:xfrm>
+            <a:prstGeom prst="rightArrow">
+              <a:avLst/>
+            </a:prstGeom>
+          </p:spPr>
+          <p:style>
+            <a:lnRef idx="2">
+              <a:schemeClr val="accent1">
+                <a:shade val="50000"/>
+              </a:schemeClr>
+            </a:lnRef>
+            <a:fillRef idx="1">
+              <a:schemeClr val="accent1"/>
+            </a:fillRef>
+            <a:effectRef idx="0">
+              <a:schemeClr val="accent1"/>
+            </a:effectRef>
+            <a:fontRef idx="minor">
+              <a:schemeClr val="lt1"/>
+            </a:fontRef>
+          </p:style>
+          <p:txBody>
+            <a:bodyPr rtlCol="0" anchor="ctr"/>
+            <a:lstStyle/>
+            <a:p>
+              <a:pPr algn="ctr"/>
+              <a:endParaRPr lang="ko-KR" altLang="en-US"/>
+            </a:p>
+          </p:txBody>
+        </p:sp>
+        <p:sp>
+          <p:nvSpPr>
+            <p:cNvPr id="9" name="TextBox 8">
+              <a:extLst>
+                <a:ext uri="{FF2B5EF4-FFF2-40B4-BE49-F238E27FC236}">
+                  <a16:creationId xmlns:a16="http://schemas.microsoft.com/office/drawing/2014/main" id="{11A56BBB-EA8F-4627-BC4F-A1FE061FB1FB}"/>
+                </a:ext>
+              </a:extLst>
+            </p:cNvPr>
+            <p:cNvSpPr txBox="1"/>
+            <p:nvPr/>
+          </p:nvSpPr>
+          <p:spPr>
+            <a:xfrm>
+              <a:off x="697266" y="1182361"/>
+              <a:ext cx="11494734" cy="369332"/>
+            </a:xfrm>
+            <a:prstGeom prst="rect">
+              <a:avLst/>
+            </a:prstGeom>
+            <a:noFill/>
+          </p:spPr>
+          <p:txBody>
+            <a:bodyPr wrap="square" rtlCol="0">
+              <a:spAutoFit/>
+            </a:bodyPr>
+            <a:lstStyle/>
+            <a:p>
+              <a:r>
+                <a:rPr lang="en-US" altLang="ko-KR" dirty="0">
+                  <a:latin typeface="나눔스퀘어" panose="020B0600000101010101" pitchFamily="50" charset="-127"/>
+                  <a:ea typeface="나눔스퀘어" panose="020B0600000101010101" pitchFamily="50" charset="-127"/>
+                </a:rPr>
+                <a:t>git clone </a:t>
+              </a:r>
+              <a:r>
+                <a:rPr lang="en-US" altLang="ko-KR" b="1" dirty="0">
+                  <a:latin typeface="나눔스퀘어" panose="020B0600000101010101" pitchFamily="50" charset="-127"/>
+                  <a:ea typeface="나눔스퀘어" panose="020B0600000101010101" pitchFamily="50" charset="-127"/>
+                </a:rPr>
+                <a:t>https://github.com/jhj0905/OHTSim.git</a:t>
+              </a:r>
+            </a:p>
+          </p:txBody>
+        </p:sp>
+        <p:sp>
+          <p:nvSpPr>
+            <p:cNvPr id="10" name="TextBox 9">
+              <a:extLst>
+                <a:ext uri="{FF2B5EF4-FFF2-40B4-BE49-F238E27FC236}">
+                  <a16:creationId xmlns:a16="http://schemas.microsoft.com/office/drawing/2014/main" id="{34A805FD-0F01-4A44-B1B1-B1BE39BFC415}"/>
+                </a:ext>
+              </a:extLst>
+            </p:cNvPr>
+            <p:cNvSpPr txBox="1"/>
+            <p:nvPr/>
+          </p:nvSpPr>
+          <p:spPr>
+            <a:xfrm>
+              <a:off x="697266" y="1755016"/>
+              <a:ext cx="4059461" cy="369332"/>
+            </a:xfrm>
+            <a:prstGeom prst="rect">
+              <a:avLst/>
+            </a:prstGeom>
+            <a:noFill/>
+          </p:spPr>
+          <p:txBody>
+            <a:bodyPr wrap="square" rtlCol="0">
+              <a:spAutoFit/>
+            </a:bodyPr>
+            <a:lstStyle/>
+            <a:p>
+              <a:r>
+                <a:rPr lang="ko-KR" altLang="en-US" dirty="0">
+                  <a:latin typeface="나눔스퀘어" panose="020B0600000101010101" pitchFamily="50" charset="-127"/>
+                  <a:ea typeface="나눔스퀘어" panose="020B0600000101010101" pitchFamily="50" charset="-127"/>
+                </a:rPr>
+                <a:t>로컬 저장소에 원경 저장소를 복제한다</a:t>
+              </a:r>
+              <a:r>
+                <a:rPr lang="en-US" altLang="ko-KR" dirty="0">
+                  <a:latin typeface="나눔스퀘어" panose="020B0600000101010101" pitchFamily="50" charset="-127"/>
+                  <a:ea typeface="나눔스퀘어" panose="020B0600000101010101" pitchFamily="50" charset="-127"/>
+                </a:rPr>
+                <a:t>.</a:t>
+              </a:r>
+            </a:p>
+          </p:txBody>
+        </p:sp>
+      </p:grpSp>
+      <p:grpSp>
+        <p:nvGrpSpPr>
+          <p:cNvPr id="47" name="그룹 46">
+            <a:extLst>
+              <a:ext uri="{FF2B5EF4-FFF2-40B4-BE49-F238E27FC236}">
+                <a16:creationId xmlns:a16="http://schemas.microsoft.com/office/drawing/2014/main" id="{17A89C77-09ED-435C-AB6E-9D31E22219E5}"/>
+              </a:ext>
+            </a:extLst>
+          </p:cNvPr>
+          <p:cNvGrpSpPr/>
+          <p:nvPr/>
+        </p:nvGrpSpPr>
+        <p:grpSpPr>
+          <a:xfrm>
+            <a:off x="221673" y="3144798"/>
+            <a:ext cx="11970327" cy="941987"/>
+            <a:chOff x="221673" y="2471907"/>
+            <a:chExt cx="11970327" cy="941987"/>
+          </a:xfrm>
+        </p:grpSpPr>
+        <p:sp>
+          <p:nvSpPr>
+            <p:cNvPr id="11" name="화살표: 오른쪽 10">
+              <a:extLst>
+                <a:ext uri="{FF2B5EF4-FFF2-40B4-BE49-F238E27FC236}">
+                  <a16:creationId xmlns:a16="http://schemas.microsoft.com/office/drawing/2014/main" id="{3B71615E-5AF5-4C0E-8230-56DC26F95444}"/>
+                </a:ext>
+              </a:extLst>
+            </p:cNvPr>
+            <p:cNvSpPr/>
+            <p:nvPr/>
+          </p:nvSpPr>
+          <p:spPr>
+            <a:xfrm>
+              <a:off x="221673" y="2527219"/>
+              <a:ext cx="346652" cy="267854"/>
+            </a:xfrm>
+            <a:prstGeom prst="rightArrow">
+              <a:avLst/>
+            </a:prstGeom>
+          </p:spPr>
+          <p:style>
+            <a:lnRef idx="2">
+              <a:schemeClr val="accent1">
+                <a:shade val="50000"/>
+              </a:schemeClr>
+            </a:lnRef>
+            <a:fillRef idx="1">
+              <a:schemeClr val="accent1"/>
+            </a:fillRef>
+            <a:effectRef idx="0">
+              <a:schemeClr val="accent1"/>
+            </a:effectRef>
+            <a:fontRef idx="minor">
+              <a:schemeClr val="lt1"/>
+            </a:fontRef>
+          </p:style>
+          <p:txBody>
+            <a:bodyPr rtlCol="0" anchor="ctr"/>
+            <a:lstStyle/>
+            <a:p>
+              <a:pPr algn="ctr"/>
+              <a:endParaRPr lang="ko-KR" altLang="en-US"/>
+            </a:p>
+          </p:txBody>
+        </p:sp>
+        <p:sp>
+          <p:nvSpPr>
+            <p:cNvPr id="12" name="TextBox 11">
+              <a:extLst>
+                <a:ext uri="{FF2B5EF4-FFF2-40B4-BE49-F238E27FC236}">
+                  <a16:creationId xmlns:a16="http://schemas.microsoft.com/office/drawing/2014/main" id="{9B09F319-59D0-4A21-86B3-F50ADE773ED4}"/>
+                </a:ext>
+              </a:extLst>
+            </p:cNvPr>
+            <p:cNvSpPr txBox="1"/>
+            <p:nvPr/>
+          </p:nvSpPr>
+          <p:spPr>
+            <a:xfrm>
+              <a:off x="697266" y="2471907"/>
+              <a:ext cx="11494734" cy="369332"/>
+            </a:xfrm>
+            <a:prstGeom prst="rect">
+              <a:avLst/>
+            </a:prstGeom>
+            <a:noFill/>
+          </p:spPr>
+          <p:txBody>
+            <a:bodyPr wrap="square" rtlCol="0">
+              <a:spAutoFit/>
+            </a:bodyPr>
+            <a:lstStyle/>
+            <a:p>
+              <a:r>
+                <a:rPr lang="en-US" altLang="ko-KR" dirty="0">
+                  <a:latin typeface="나눔스퀘어" panose="020B0600000101010101" pitchFamily="50" charset="-127"/>
+                  <a:ea typeface="나눔스퀘어" panose="020B0600000101010101" pitchFamily="50" charset="-127"/>
+                </a:rPr>
+                <a:t>git status</a:t>
+              </a:r>
+              <a:endParaRPr lang="en-US" altLang="ko-KR" b="1" dirty="0">
+                <a:latin typeface="나눔스퀘어" panose="020B0600000101010101" pitchFamily="50" charset="-127"/>
+                <a:ea typeface="나눔스퀘어" panose="020B0600000101010101" pitchFamily="50" charset="-127"/>
+              </a:endParaRPr>
+            </a:p>
+          </p:txBody>
+        </p:sp>
+        <p:sp>
+          <p:nvSpPr>
+            <p:cNvPr id="13" name="TextBox 12">
+              <a:extLst>
+                <a:ext uri="{FF2B5EF4-FFF2-40B4-BE49-F238E27FC236}">
+                  <a16:creationId xmlns:a16="http://schemas.microsoft.com/office/drawing/2014/main" id="{FA9A1B68-54F1-435A-A36D-E25550EFDE62}"/>
+                </a:ext>
+              </a:extLst>
+            </p:cNvPr>
+            <p:cNvSpPr txBox="1"/>
+            <p:nvPr/>
+          </p:nvSpPr>
+          <p:spPr>
+            <a:xfrm>
+              <a:off x="697266" y="3044562"/>
+              <a:ext cx="10543389" cy="369332"/>
+            </a:xfrm>
+            <a:prstGeom prst="rect">
+              <a:avLst/>
+            </a:prstGeom>
+            <a:noFill/>
+          </p:spPr>
+          <p:txBody>
+            <a:bodyPr wrap="square" rtlCol="0">
+              <a:spAutoFit/>
+            </a:bodyPr>
+            <a:lstStyle/>
+            <a:p>
+              <a:r>
+                <a:rPr lang="ko-KR" altLang="en-US" dirty="0">
+                  <a:latin typeface="나눔스퀘어" panose="020B0600000101010101" pitchFamily="50" charset="-127"/>
+                  <a:ea typeface="나눔스퀘어" panose="020B0600000101010101" pitchFamily="50" charset="-127"/>
+                </a:rPr>
+                <a:t>현재 </a:t>
+              </a:r>
+              <a:r>
+                <a:rPr lang="en-US" altLang="ko-KR" dirty="0">
+                  <a:latin typeface="나눔스퀘어" panose="020B0600000101010101" pitchFamily="50" charset="-127"/>
+                  <a:ea typeface="나눔스퀘어" panose="020B0600000101010101" pitchFamily="50" charset="-127"/>
+                </a:rPr>
+                <a:t>git </a:t>
+              </a:r>
+              <a:r>
+                <a:rPr lang="ko-KR" altLang="en-US" dirty="0">
+                  <a:latin typeface="나눔스퀘어" panose="020B0600000101010101" pitchFamily="50" charset="-127"/>
+                  <a:ea typeface="나눔스퀘어" panose="020B0600000101010101" pitchFamily="50" charset="-127"/>
+                </a:rPr>
+                <a:t>상태 출력</a:t>
+              </a:r>
+              <a:r>
+                <a:rPr lang="en-US" altLang="ko-KR" dirty="0">
+                  <a:latin typeface="나눔스퀘어" panose="020B0600000101010101" pitchFamily="50" charset="-127"/>
+                  <a:ea typeface="나눔스퀘어" panose="020B0600000101010101" pitchFamily="50" charset="-127"/>
+                </a:rPr>
+                <a:t>(</a:t>
+              </a:r>
+              <a:r>
+                <a:rPr lang="ko-KR" altLang="en-US" dirty="0">
+                  <a:latin typeface="나눔스퀘어" panose="020B0600000101010101" pitchFamily="50" charset="-127"/>
+                  <a:ea typeface="나눔스퀘어" panose="020B0600000101010101" pitchFamily="50" charset="-127"/>
+                </a:rPr>
+                <a:t>작업중인 </a:t>
+              </a:r>
+              <a:r>
+                <a:rPr lang="en-US" altLang="ko-KR" dirty="0">
+                  <a:latin typeface="나눔스퀘어" panose="020B0600000101010101" pitchFamily="50" charset="-127"/>
+                  <a:ea typeface="나눔스퀘어" panose="020B0600000101010101" pitchFamily="50" charset="-127"/>
+                </a:rPr>
+                <a:t>branch</a:t>
+              </a:r>
+              <a:r>
+                <a:rPr lang="ko-KR" altLang="en-US" dirty="0">
+                  <a:latin typeface="나눔스퀘어" panose="020B0600000101010101" pitchFamily="50" charset="-127"/>
+                  <a:ea typeface="나눔스퀘어" panose="020B0600000101010101" pitchFamily="50" charset="-127"/>
+                </a:rPr>
+                <a:t> 이름</a:t>
+              </a:r>
+              <a:r>
+                <a:rPr lang="en-US" altLang="ko-KR" dirty="0">
+                  <a:latin typeface="나눔스퀘어" panose="020B0600000101010101" pitchFamily="50" charset="-127"/>
+                  <a:ea typeface="나눔스퀘어" panose="020B0600000101010101" pitchFamily="50" charset="-127"/>
+                </a:rPr>
+                <a:t>, </a:t>
+              </a:r>
+              <a:r>
+                <a:rPr lang="ko-KR" altLang="en-US" dirty="0">
+                  <a:latin typeface="나눔스퀘어" panose="020B0600000101010101" pitchFamily="50" charset="-127"/>
+                  <a:ea typeface="나눔스퀘어" panose="020B0600000101010101" pitchFamily="50" charset="-127"/>
+                </a:rPr>
+                <a:t>로컬저장소와 원격저장소의 파일 비교</a:t>
+              </a:r>
+              <a:r>
+                <a:rPr lang="en-US" altLang="ko-KR" dirty="0">
+                  <a:latin typeface="나눔스퀘어" panose="020B0600000101010101" pitchFamily="50" charset="-127"/>
+                  <a:ea typeface="나눔스퀘어" panose="020B0600000101010101" pitchFamily="50" charset="-127"/>
+                </a:rPr>
+                <a:t>)</a:t>
+              </a:r>
+            </a:p>
+          </p:txBody>
+        </p:sp>
+      </p:grpSp>
+      <p:grpSp>
+        <p:nvGrpSpPr>
+          <p:cNvPr id="38" name="그룹 37">
+            <a:extLst>
+              <a:ext uri="{FF2B5EF4-FFF2-40B4-BE49-F238E27FC236}">
+                <a16:creationId xmlns:a16="http://schemas.microsoft.com/office/drawing/2014/main" id="{E1C18ADE-596D-4F13-A7F6-4668A294A65F}"/>
+              </a:ext>
+            </a:extLst>
+          </p:cNvPr>
+          <p:cNvGrpSpPr/>
+          <p:nvPr/>
+        </p:nvGrpSpPr>
+        <p:grpSpPr>
+          <a:xfrm>
+            <a:off x="221673" y="4691133"/>
+            <a:ext cx="4081879" cy="369332"/>
+            <a:chOff x="221673" y="3647235"/>
+            <a:chExt cx="4081879" cy="369332"/>
+          </a:xfrm>
+        </p:grpSpPr>
+        <p:sp>
+          <p:nvSpPr>
+            <p:cNvPr id="14" name="화살표: 오른쪽 13">
+              <a:extLst>
+                <a:ext uri="{FF2B5EF4-FFF2-40B4-BE49-F238E27FC236}">
+                  <a16:creationId xmlns:a16="http://schemas.microsoft.com/office/drawing/2014/main" id="{6EAC3683-01CA-4274-955E-4D40C7325F61}"/>
+                </a:ext>
+              </a:extLst>
+            </p:cNvPr>
+            <p:cNvSpPr/>
+            <p:nvPr/>
+          </p:nvSpPr>
+          <p:spPr>
+            <a:xfrm>
+              <a:off x="221673" y="3702547"/>
+              <a:ext cx="346652" cy="267854"/>
+            </a:xfrm>
+            <a:prstGeom prst="rightArrow">
+              <a:avLst/>
+            </a:prstGeom>
+          </p:spPr>
+          <p:style>
+            <a:lnRef idx="2">
+              <a:schemeClr val="accent1">
+                <a:shade val="50000"/>
+              </a:schemeClr>
+            </a:lnRef>
+            <a:fillRef idx="1">
+              <a:schemeClr val="accent1"/>
+            </a:fillRef>
+            <a:effectRef idx="0">
+              <a:schemeClr val="accent1"/>
+            </a:effectRef>
+            <a:fontRef idx="minor">
+              <a:schemeClr val="lt1"/>
+            </a:fontRef>
+          </p:style>
+          <p:txBody>
+            <a:bodyPr rtlCol="0" anchor="ctr"/>
+            <a:lstStyle/>
+            <a:p>
+              <a:pPr algn="ctr"/>
+              <a:endParaRPr lang="ko-KR" altLang="en-US"/>
+            </a:p>
+          </p:txBody>
+        </p:sp>
+        <p:sp>
+          <p:nvSpPr>
+            <p:cNvPr id="15" name="TextBox 14">
+              <a:extLst>
+                <a:ext uri="{FF2B5EF4-FFF2-40B4-BE49-F238E27FC236}">
+                  <a16:creationId xmlns:a16="http://schemas.microsoft.com/office/drawing/2014/main" id="{4FB36C86-E7B0-4C51-93C4-A7C47E76D1B3}"/>
+                </a:ext>
+              </a:extLst>
+            </p:cNvPr>
+            <p:cNvSpPr txBox="1"/>
+            <p:nvPr/>
+          </p:nvSpPr>
+          <p:spPr>
+            <a:xfrm>
+              <a:off x="697266" y="3647235"/>
+              <a:ext cx="3606286" cy="369332"/>
+            </a:xfrm>
+            <a:prstGeom prst="rect">
+              <a:avLst/>
+            </a:prstGeom>
+            <a:noFill/>
+          </p:spPr>
+          <p:txBody>
+            <a:bodyPr wrap="square" rtlCol="0">
+              <a:spAutoFit/>
+            </a:bodyPr>
+            <a:lstStyle/>
+            <a:p>
+              <a:r>
+                <a:rPr lang="en-US" altLang="ko-KR" dirty="0">
+                  <a:latin typeface="나눔스퀘어" panose="020B0600000101010101" pitchFamily="50" charset="-127"/>
+                  <a:ea typeface="나눔스퀘어" panose="020B0600000101010101" pitchFamily="50" charset="-127"/>
+                </a:rPr>
+                <a:t>git add * / git add &lt;</a:t>
+              </a:r>
+              <a:r>
+                <a:rPr lang="ko-KR" altLang="en-US" dirty="0">
+                  <a:latin typeface="나눔스퀘어" panose="020B0600000101010101" pitchFamily="50" charset="-127"/>
+                  <a:ea typeface="나눔스퀘어" panose="020B0600000101010101" pitchFamily="50" charset="-127"/>
+                </a:rPr>
+                <a:t>파일명</a:t>
+              </a:r>
+              <a:r>
+                <a:rPr lang="en-US" altLang="ko-KR" dirty="0">
+                  <a:latin typeface="나눔스퀘어" panose="020B0600000101010101" pitchFamily="50" charset="-127"/>
+                  <a:ea typeface="나눔스퀘어" panose="020B0600000101010101" pitchFamily="50" charset="-127"/>
+                </a:rPr>
+                <a:t>&gt;</a:t>
+              </a:r>
+              <a:endParaRPr lang="en-US" altLang="ko-KR" b="1" dirty="0">
+                <a:latin typeface="나눔스퀘어" panose="020B0600000101010101" pitchFamily="50" charset="-127"/>
+                <a:ea typeface="나눔스퀘어" panose="020B0600000101010101" pitchFamily="50" charset="-127"/>
+              </a:endParaRPr>
+            </a:p>
+          </p:txBody>
+        </p:sp>
+      </p:grpSp>
+      <p:grpSp>
+        <p:nvGrpSpPr>
+          <p:cNvPr id="8" name="그룹 7">
+            <a:extLst>
+              <a:ext uri="{FF2B5EF4-FFF2-40B4-BE49-F238E27FC236}">
+                <a16:creationId xmlns:a16="http://schemas.microsoft.com/office/drawing/2014/main" id="{1361153F-ABE0-4547-860A-F19A5B216DDE}"/>
+              </a:ext>
+            </a:extLst>
+          </p:cNvPr>
+          <p:cNvGrpSpPr/>
+          <p:nvPr/>
+        </p:nvGrpSpPr>
+        <p:grpSpPr>
+          <a:xfrm>
+            <a:off x="10057976" y="4403611"/>
+            <a:ext cx="1454805" cy="2433431"/>
+            <a:chOff x="10057976" y="3775406"/>
+            <a:chExt cx="1454805" cy="2433431"/>
+          </a:xfrm>
+        </p:grpSpPr>
+        <p:sp>
+          <p:nvSpPr>
+            <p:cNvPr id="20" name="TextBox 19">
+              <a:extLst>
+                <a:ext uri="{FF2B5EF4-FFF2-40B4-BE49-F238E27FC236}">
+                  <a16:creationId xmlns:a16="http://schemas.microsoft.com/office/drawing/2014/main" id="{3841100A-5202-4D78-A48F-75209CA6E3AF}"/>
+                </a:ext>
+              </a:extLst>
+            </p:cNvPr>
+            <p:cNvSpPr txBox="1"/>
+            <p:nvPr/>
+          </p:nvSpPr>
+          <p:spPr>
+            <a:xfrm>
+              <a:off x="10057976" y="5839505"/>
+              <a:ext cx="1454805" cy="369332"/>
+            </a:xfrm>
+            <a:prstGeom prst="rect">
+              <a:avLst/>
+            </a:prstGeom>
+            <a:noFill/>
+          </p:spPr>
+          <p:txBody>
+            <a:bodyPr wrap="square" rtlCol="0">
+              <a:spAutoFit/>
+            </a:bodyPr>
+            <a:lstStyle/>
+            <a:p>
+              <a:pPr algn="ctr"/>
+              <a:r>
+                <a:rPr lang="ko-KR" altLang="en-US">
+                  <a:latin typeface="나눔스퀘어" panose="020B0600000101010101" pitchFamily="50" charset="-127"/>
+                  <a:ea typeface="나눔스퀘어" panose="020B0600000101010101" pitchFamily="50" charset="-127"/>
+                </a:rPr>
+                <a:t>원격저장소</a:t>
+              </a:r>
+              <a:endParaRPr lang="en-US" altLang="ko-KR" dirty="0">
+                <a:latin typeface="나눔스퀘어" panose="020B0600000101010101" pitchFamily="50" charset="-127"/>
+                <a:ea typeface="나눔스퀘어" panose="020B0600000101010101" pitchFamily="50" charset="-127"/>
+              </a:endParaRPr>
+            </a:p>
+          </p:txBody>
+        </p:sp>
+        <p:sp>
+          <p:nvSpPr>
+            <p:cNvPr id="22" name="직사각형 21">
+              <a:extLst>
+                <a:ext uri="{FF2B5EF4-FFF2-40B4-BE49-F238E27FC236}">
+                  <a16:creationId xmlns:a16="http://schemas.microsoft.com/office/drawing/2014/main" id="{C10B931D-80B1-47D4-9C06-6FA2839019A6}"/>
+                </a:ext>
+              </a:extLst>
+            </p:cNvPr>
+            <p:cNvSpPr/>
+            <p:nvPr/>
+          </p:nvSpPr>
+          <p:spPr>
+            <a:xfrm>
+              <a:off x="10194039" y="3775406"/>
+              <a:ext cx="1182679" cy="1766412"/>
+            </a:xfrm>
+            <a:prstGeom prst="rect">
+              <a:avLst/>
+            </a:prstGeom>
+            <a:noFill/>
+          </p:spPr>
+          <p:style>
+            <a:lnRef idx="2">
+              <a:schemeClr val="accent1">
+                <a:shade val="50000"/>
+              </a:schemeClr>
+            </a:lnRef>
+            <a:fillRef idx="1">
+              <a:schemeClr val="accent1"/>
+            </a:fillRef>
+            <a:effectRef idx="0">
+              <a:schemeClr val="accent1"/>
+            </a:effectRef>
+            <a:fontRef idx="minor">
+              <a:schemeClr val="lt1"/>
+            </a:fontRef>
+          </p:style>
+          <p:txBody>
+            <a:bodyPr rtlCol="0" anchor="ctr"/>
+            <a:lstStyle/>
+            <a:p>
+              <a:pPr algn="ctr"/>
+              <a:endParaRPr lang="ko-KR" altLang="en-US"/>
+            </a:p>
+          </p:txBody>
+        </p:sp>
+      </p:grpSp>
+      <p:grpSp>
+        <p:nvGrpSpPr>
+          <p:cNvPr id="5" name="그룹 4">
+            <a:extLst>
+              <a:ext uri="{FF2B5EF4-FFF2-40B4-BE49-F238E27FC236}">
+                <a16:creationId xmlns:a16="http://schemas.microsoft.com/office/drawing/2014/main" id="{AB57133B-0AC8-45ED-8064-4EF5E74E3A42}"/>
+              </a:ext>
+            </a:extLst>
+          </p:cNvPr>
+          <p:cNvGrpSpPr/>
+          <p:nvPr/>
+        </p:nvGrpSpPr>
+        <p:grpSpPr>
+          <a:xfrm>
+            <a:off x="3883813" y="4403611"/>
+            <a:ext cx="1454805" cy="2433431"/>
+            <a:chOff x="3883813" y="3775406"/>
+            <a:chExt cx="1454805" cy="2433431"/>
+          </a:xfrm>
+        </p:grpSpPr>
+        <p:sp>
+          <p:nvSpPr>
+            <p:cNvPr id="18" name="TextBox 17">
+              <a:extLst>
+                <a:ext uri="{FF2B5EF4-FFF2-40B4-BE49-F238E27FC236}">
+                  <a16:creationId xmlns:a16="http://schemas.microsoft.com/office/drawing/2014/main" id="{1CED3338-17D5-4A82-96D8-19D4EEAAF961}"/>
+                </a:ext>
+              </a:extLst>
+            </p:cNvPr>
+            <p:cNvSpPr txBox="1"/>
+            <p:nvPr/>
+          </p:nvSpPr>
+          <p:spPr>
+            <a:xfrm>
+              <a:off x="3883813" y="5839505"/>
+              <a:ext cx="1454805" cy="369332"/>
+            </a:xfrm>
+            <a:prstGeom prst="rect">
+              <a:avLst/>
+            </a:prstGeom>
+            <a:noFill/>
+          </p:spPr>
+          <p:txBody>
+            <a:bodyPr wrap="square" rtlCol="0">
+              <a:spAutoFit/>
+            </a:bodyPr>
+            <a:lstStyle/>
+            <a:p>
+              <a:pPr algn="ctr"/>
+              <a:r>
+                <a:rPr lang="ko-KR" altLang="en-US">
+                  <a:latin typeface="나눔스퀘어" panose="020B0600000101010101" pitchFamily="50" charset="-127"/>
+                  <a:ea typeface="나눔스퀘어" panose="020B0600000101010101" pitchFamily="50" charset="-127"/>
+                </a:rPr>
+                <a:t>로컬저장소</a:t>
+              </a:r>
+              <a:endParaRPr lang="en-US" altLang="ko-KR" dirty="0">
+                <a:latin typeface="나눔스퀘어" panose="020B0600000101010101" pitchFamily="50" charset="-127"/>
+                <a:ea typeface="나눔스퀘어" panose="020B0600000101010101" pitchFamily="50" charset="-127"/>
+              </a:endParaRPr>
+            </a:p>
+          </p:txBody>
+        </p:sp>
+        <p:sp>
+          <p:nvSpPr>
+            <p:cNvPr id="23" name="직사각형 22">
+              <a:extLst>
+                <a:ext uri="{FF2B5EF4-FFF2-40B4-BE49-F238E27FC236}">
+                  <a16:creationId xmlns:a16="http://schemas.microsoft.com/office/drawing/2014/main" id="{08BF0AB4-4953-4427-A96C-822C61A95448}"/>
+                </a:ext>
+              </a:extLst>
+            </p:cNvPr>
+            <p:cNvSpPr/>
+            <p:nvPr/>
+          </p:nvSpPr>
+          <p:spPr>
+            <a:xfrm>
+              <a:off x="4019876" y="3775406"/>
+              <a:ext cx="1182679" cy="1766412"/>
+            </a:xfrm>
+            <a:prstGeom prst="rect">
+              <a:avLst/>
+            </a:prstGeom>
+            <a:noFill/>
+          </p:spPr>
+          <p:style>
+            <a:lnRef idx="2">
+              <a:schemeClr val="accent1">
+                <a:shade val="50000"/>
+              </a:schemeClr>
+            </a:lnRef>
+            <a:fillRef idx="1">
+              <a:schemeClr val="accent1"/>
+            </a:fillRef>
+            <a:effectRef idx="0">
+              <a:schemeClr val="accent1"/>
+            </a:effectRef>
+            <a:fontRef idx="minor">
+              <a:schemeClr val="lt1"/>
+            </a:fontRef>
+          </p:style>
+          <p:txBody>
+            <a:bodyPr rtlCol="0" anchor="ctr"/>
+            <a:lstStyle/>
+            <a:p>
+              <a:pPr algn="ctr"/>
+              <a:endParaRPr lang="ko-KR" altLang="en-US"/>
+            </a:p>
+          </p:txBody>
+        </p:sp>
+      </p:grpSp>
+      <p:grpSp>
+        <p:nvGrpSpPr>
+          <p:cNvPr id="6" name="그룹 5">
+            <a:extLst>
+              <a:ext uri="{FF2B5EF4-FFF2-40B4-BE49-F238E27FC236}">
+                <a16:creationId xmlns:a16="http://schemas.microsoft.com/office/drawing/2014/main" id="{823131AD-E7CA-40E0-BC97-43A355287D99}"/>
+              </a:ext>
+            </a:extLst>
+          </p:cNvPr>
+          <p:cNvGrpSpPr/>
+          <p:nvPr/>
+        </p:nvGrpSpPr>
+        <p:grpSpPr>
+          <a:xfrm>
+            <a:off x="6032576" y="4403611"/>
+            <a:ext cx="1454805" cy="2433431"/>
+            <a:chOff x="6279233" y="3775406"/>
+            <a:chExt cx="1454805" cy="2433431"/>
+          </a:xfrm>
+        </p:grpSpPr>
+        <p:sp>
+          <p:nvSpPr>
+            <p:cNvPr id="19" name="TextBox 18">
+              <a:extLst>
+                <a:ext uri="{FF2B5EF4-FFF2-40B4-BE49-F238E27FC236}">
+                  <a16:creationId xmlns:a16="http://schemas.microsoft.com/office/drawing/2014/main" id="{5355DE03-7AF0-4EBB-80B6-99F43D1E08E4}"/>
+                </a:ext>
+              </a:extLst>
+            </p:cNvPr>
+            <p:cNvSpPr txBox="1"/>
+            <p:nvPr/>
+          </p:nvSpPr>
+          <p:spPr>
+            <a:xfrm>
+              <a:off x="6279233" y="5839505"/>
+              <a:ext cx="1454805" cy="369332"/>
+            </a:xfrm>
+            <a:prstGeom prst="rect">
+              <a:avLst/>
+            </a:prstGeom>
+            <a:noFill/>
+          </p:spPr>
+          <p:txBody>
+            <a:bodyPr wrap="square" rtlCol="0">
+              <a:spAutoFit/>
+            </a:bodyPr>
+            <a:lstStyle/>
+            <a:p>
+              <a:pPr algn="ctr"/>
+              <a:r>
+                <a:rPr lang="ko-KR" altLang="en-US">
+                  <a:latin typeface="나눔스퀘어" panose="020B0600000101010101" pitchFamily="50" charset="-127"/>
+                  <a:ea typeface="나눔스퀘어" panose="020B0600000101010101" pitchFamily="50" charset="-127"/>
+                </a:rPr>
+                <a:t>스테이지</a:t>
+              </a:r>
+              <a:endParaRPr lang="en-US" altLang="ko-KR" dirty="0">
+                <a:latin typeface="나눔스퀘어" panose="020B0600000101010101" pitchFamily="50" charset="-127"/>
+                <a:ea typeface="나눔스퀘어" panose="020B0600000101010101" pitchFamily="50" charset="-127"/>
+              </a:endParaRPr>
+            </a:p>
+          </p:txBody>
+        </p:sp>
+        <p:sp>
+          <p:nvSpPr>
+            <p:cNvPr id="24" name="직사각형 23">
+              <a:extLst>
+                <a:ext uri="{FF2B5EF4-FFF2-40B4-BE49-F238E27FC236}">
+                  <a16:creationId xmlns:a16="http://schemas.microsoft.com/office/drawing/2014/main" id="{79A87CCD-61D6-44EC-99A3-0A124A5D6D18}"/>
+                </a:ext>
+              </a:extLst>
+            </p:cNvPr>
+            <p:cNvSpPr/>
+            <p:nvPr/>
+          </p:nvSpPr>
+          <p:spPr>
+            <a:xfrm>
+              <a:off x="6415296" y="3775406"/>
+              <a:ext cx="1182679" cy="1766412"/>
+            </a:xfrm>
+            <a:prstGeom prst="rect">
+              <a:avLst/>
+            </a:prstGeom>
+            <a:noFill/>
+          </p:spPr>
+          <p:style>
+            <a:lnRef idx="2">
+              <a:schemeClr val="accent1">
+                <a:shade val="50000"/>
+              </a:schemeClr>
+            </a:lnRef>
+            <a:fillRef idx="1">
+              <a:schemeClr val="accent1"/>
+            </a:fillRef>
+            <a:effectRef idx="0">
+              <a:schemeClr val="accent1"/>
+            </a:effectRef>
+            <a:fontRef idx="minor">
+              <a:schemeClr val="lt1"/>
+            </a:fontRef>
+          </p:style>
+          <p:txBody>
+            <a:bodyPr rtlCol="0" anchor="ctr"/>
+            <a:lstStyle/>
+            <a:p>
+              <a:pPr algn="ctr"/>
+              <a:endParaRPr lang="ko-KR" altLang="en-US"/>
+            </a:p>
+          </p:txBody>
+        </p:sp>
+      </p:grpSp>
+      <p:grpSp>
+        <p:nvGrpSpPr>
+          <p:cNvPr id="7" name="그룹 6">
+            <a:extLst>
+              <a:ext uri="{FF2B5EF4-FFF2-40B4-BE49-F238E27FC236}">
+                <a16:creationId xmlns:a16="http://schemas.microsoft.com/office/drawing/2014/main" id="{ED90AE3B-0716-4F74-A47E-DEEDE4F578EC}"/>
+              </a:ext>
+            </a:extLst>
+          </p:cNvPr>
+          <p:cNvGrpSpPr/>
+          <p:nvPr/>
+        </p:nvGrpSpPr>
+        <p:grpSpPr>
+          <a:xfrm>
+            <a:off x="8181339" y="4403611"/>
+            <a:ext cx="1182679" cy="2433431"/>
+            <a:chOff x="7915866" y="3775406"/>
+            <a:chExt cx="1182679" cy="2433431"/>
+          </a:xfrm>
+        </p:grpSpPr>
+        <p:sp>
+          <p:nvSpPr>
+            <p:cNvPr id="25" name="직사각형 24">
+              <a:extLst>
+                <a:ext uri="{FF2B5EF4-FFF2-40B4-BE49-F238E27FC236}">
+                  <a16:creationId xmlns:a16="http://schemas.microsoft.com/office/drawing/2014/main" id="{394775FF-2900-4542-9C33-084E38C474F8}"/>
+                </a:ext>
+              </a:extLst>
+            </p:cNvPr>
+            <p:cNvSpPr/>
+            <p:nvPr/>
+          </p:nvSpPr>
+          <p:spPr>
+            <a:xfrm>
+              <a:off x="7915866" y="3775406"/>
+              <a:ext cx="1182679" cy="1766412"/>
+            </a:xfrm>
+            <a:prstGeom prst="rect">
+              <a:avLst/>
+            </a:prstGeom>
+            <a:noFill/>
+          </p:spPr>
+          <p:style>
+            <a:lnRef idx="2">
+              <a:schemeClr val="accent1">
+                <a:shade val="50000"/>
+              </a:schemeClr>
+            </a:lnRef>
+            <a:fillRef idx="1">
+              <a:schemeClr val="accent1"/>
+            </a:fillRef>
+            <a:effectRef idx="0">
+              <a:schemeClr val="accent1"/>
+            </a:effectRef>
+            <a:fontRef idx="minor">
+              <a:schemeClr val="lt1"/>
+            </a:fontRef>
+          </p:style>
+          <p:txBody>
+            <a:bodyPr rtlCol="0" anchor="ctr"/>
+            <a:lstStyle/>
+            <a:p>
+              <a:pPr algn="ctr"/>
+              <a:endParaRPr lang="ko-KR" altLang="en-US"/>
+            </a:p>
+          </p:txBody>
+        </p:sp>
+        <p:sp>
+          <p:nvSpPr>
+            <p:cNvPr id="26" name="TextBox 25">
+              <a:extLst>
+                <a:ext uri="{FF2B5EF4-FFF2-40B4-BE49-F238E27FC236}">
+                  <a16:creationId xmlns:a16="http://schemas.microsoft.com/office/drawing/2014/main" id="{8B04DB2E-2242-4A67-9A1B-7C570137DA1F}"/>
+                </a:ext>
+              </a:extLst>
+            </p:cNvPr>
+            <p:cNvSpPr txBox="1"/>
+            <p:nvPr/>
+          </p:nvSpPr>
+          <p:spPr>
+            <a:xfrm>
+              <a:off x="8103305" y="5839505"/>
+              <a:ext cx="807801" cy="369332"/>
+            </a:xfrm>
+            <a:prstGeom prst="rect">
+              <a:avLst/>
+            </a:prstGeom>
+            <a:noFill/>
+          </p:spPr>
+          <p:txBody>
+            <a:bodyPr wrap="square" rtlCol="0">
+              <a:spAutoFit/>
+            </a:bodyPr>
+            <a:lstStyle/>
+            <a:p>
+              <a:pPr algn="ctr"/>
+              <a:r>
+                <a:rPr lang="ko-KR" altLang="en-US" dirty="0">
+                  <a:latin typeface="나눔스퀘어" panose="020B0600000101010101" pitchFamily="50" charset="-127"/>
+                  <a:ea typeface="나눔스퀘어" panose="020B0600000101010101" pitchFamily="50" charset="-127"/>
+                </a:rPr>
+                <a:t>헤드</a:t>
+              </a:r>
+              <a:endParaRPr lang="en-US" altLang="ko-KR" dirty="0">
+                <a:latin typeface="나눔스퀘어" panose="020B0600000101010101" pitchFamily="50" charset="-127"/>
+                <a:ea typeface="나눔스퀘어" panose="020B0600000101010101" pitchFamily="50" charset="-127"/>
+              </a:endParaRPr>
+            </a:p>
+          </p:txBody>
+        </p:sp>
+      </p:grpSp>
+      <p:sp>
+        <p:nvSpPr>
+          <p:cNvPr id="21" name="화살표: 오른쪽 20">
+            <a:extLst>
+              <a:ext uri="{FF2B5EF4-FFF2-40B4-BE49-F238E27FC236}">
+                <a16:creationId xmlns:a16="http://schemas.microsoft.com/office/drawing/2014/main" id="{3507B122-81BA-43AE-A4EA-5B06B461D82F}"/>
+              </a:ext>
+            </a:extLst>
+          </p:cNvPr>
+          <p:cNvSpPr/>
+          <p:nvPr/>
+        </p:nvSpPr>
+        <p:spPr>
+          <a:xfrm>
+            <a:off x="9517616" y="5102151"/>
+            <a:ext cx="461818" cy="369332"/>
+          </a:xfrm>
+          <a:prstGeom prst="rightArrow">
+            <a:avLst/>
+          </a:prstGeom>
+        </p:spPr>
+        <p:style>
+          <a:lnRef idx="2">
+            <a:schemeClr val="accent1">
+              <a:shade val="50000"/>
+            </a:schemeClr>
+          </a:lnRef>
+          <a:fillRef idx="1">
+            <a:schemeClr val="accent1"/>
+          </a:fillRef>
+          <a:effectRef idx="0">
+            <a:schemeClr val="accent1"/>
+          </a:effectRef>
+          <a:fontRef idx="minor">
+            <a:schemeClr val="lt1"/>
+          </a:fontRef>
+        </p:style>
+        <p:txBody>
+          <a:bodyPr rtlCol="0" anchor="ctr"/>
+          <a:lstStyle/>
+          <a:p>
+            <a:pPr algn="ctr"/>
+            <a:endParaRPr lang="ko-KR" altLang="en-US"/>
+          </a:p>
+        </p:txBody>
+      </p:sp>
+      <p:sp>
+        <p:nvSpPr>
+          <p:cNvPr id="27" name="화살표: 오른쪽 26">
+            <a:extLst>
+              <a:ext uri="{FF2B5EF4-FFF2-40B4-BE49-F238E27FC236}">
+                <a16:creationId xmlns:a16="http://schemas.microsoft.com/office/drawing/2014/main" id="{799BB7CD-3AE8-4518-87C2-BFDBE7D7B0A3}"/>
+              </a:ext>
+            </a:extLst>
+          </p:cNvPr>
+          <p:cNvSpPr/>
+          <p:nvPr/>
+        </p:nvSpPr>
+        <p:spPr>
+          <a:xfrm>
+            <a:off x="7565923" y="5102151"/>
+            <a:ext cx="461818" cy="369332"/>
+          </a:xfrm>
+          <a:prstGeom prst="rightArrow">
+            <a:avLst/>
+          </a:prstGeom>
+        </p:spPr>
+        <p:style>
+          <a:lnRef idx="2">
+            <a:schemeClr val="accent1">
+              <a:shade val="50000"/>
+            </a:schemeClr>
+          </a:lnRef>
+          <a:fillRef idx="1">
+            <a:schemeClr val="accent1"/>
+          </a:fillRef>
+          <a:effectRef idx="0">
+            <a:schemeClr val="accent1"/>
+          </a:effectRef>
+          <a:fontRef idx="minor">
+            <a:schemeClr val="lt1"/>
+          </a:fontRef>
+        </p:style>
+        <p:txBody>
+          <a:bodyPr rtlCol="0" anchor="ctr"/>
+          <a:lstStyle/>
+          <a:p>
+            <a:pPr algn="ctr"/>
+            <a:endParaRPr lang="ko-KR" altLang="en-US"/>
+          </a:p>
+        </p:txBody>
+      </p:sp>
+      <p:sp>
+        <p:nvSpPr>
+          <p:cNvPr id="28" name="화살표: 오른쪽 27">
+            <a:extLst>
+              <a:ext uri="{FF2B5EF4-FFF2-40B4-BE49-F238E27FC236}">
+                <a16:creationId xmlns:a16="http://schemas.microsoft.com/office/drawing/2014/main" id="{F4502359-C287-4253-86E8-D12E9455729A}"/>
+              </a:ext>
+            </a:extLst>
+          </p:cNvPr>
+          <p:cNvSpPr/>
+          <p:nvPr/>
+        </p:nvSpPr>
+        <p:spPr>
+          <a:xfrm>
+            <a:off x="5501013" y="5102151"/>
+            <a:ext cx="461818" cy="369332"/>
+          </a:xfrm>
+          <a:prstGeom prst="rightArrow">
+            <a:avLst/>
+          </a:prstGeom>
+        </p:spPr>
+        <p:style>
+          <a:lnRef idx="2">
+            <a:schemeClr val="accent1">
+              <a:shade val="50000"/>
+            </a:schemeClr>
+          </a:lnRef>
+          <a:fillRef idx="1">
+            <a:schemeClr val="accent1"/>
+          </a:fillRef>
+          <a:effectRef idx="0">
+            <a:schemeClr val="accent1"/>
+          </a:effectRef>
+          <a:fontRef idx="minor">
+            <a:schemeClr val="lt1"/>
+          </a:fontRef>
+        </p:style>
+        <p:txBody>
+          <a:bodyPr rtlCol="0" anchor="ctr"/>
+          <a:lstStyle/>
+          <a:p>
+            <a:pPr algn="ctr"/>
+            <a:endParaRPr lang="ko-KR" altLang="en-US"/>
+          </a:p>
+        </p:txBody>
+      </p:sp>
+      <p:sp>
+        <p:nvSpPr>
+          <p:cNvPr id="30" name="TextBox 29">
+            <a:extLst>
+              <a:ext uri="{FF2B5EF4-FFF2-40B4-BE49-F238E27FC236}">
+                <a16:creationId xmlns:a16="http://schemas.microsoft.com/office/drawing/2014/main" id="{30735F28-EF46-43D8-973F-BB16507D688A}"/>
+              </a:ext>
+            </a:extLst>
+          </p:cNvPr>
+          <p:cNvSpPr txBox="1"/>
+          <p:nvPr/>
+        </p:nvSpPr>
+        <p:spPr>
+          <a:xfrm>
+            <a:off x="5338618" y="4732819"/>
+            <a:ext cx="693958" cy="369332"/>
+          </a:xfrm>
+          <a:prstGeom prst="rect">
+            <a:avLst/>
+          </a:prstGeom>
+          <a:noFill/>
+        </p:spPr>
+        <p:txBody>
+          <a:bodyPr wrap="square" rtlCol="0">
+            <a:spAutoFit/>
+          </a:bodyPr>
+          <a:lstStyle/>
+          <a:p>
+            <a:pPr algn="ctr"/>
+            <a:r>
+              <a:rPr lang="en-US" altLang="ko-KR" dirty="0">
+                <a:latin typeface="나눔스퀘어" panose="020B0600000101010101" pitchFamily="50" charset="-127"/>
+                <a:ea typeface="나눔스퀘어" panose="020B0600000101010101" pitchFamily="50" charset="-127"/>
+              </a:rPr>
+              <a:t>add</a:t>
+            </a:r>
+          </a:p>
+        </p:txBody>
+      </p:sp>
+      <p:sp>
+        <p:nvSpPr>
+          <p:cNvPr id="31" name="TextBox 30">
+            <a:extLst>
+              <a:ext uri="{FF2B5EF4-FFF2-40B4-BE49-F238E27FC236}">
+                <a16:creationId xmlns:a16="http://schemas.microsoft.com/office/drawing/2014/main" id="{ABCAD5B4-5183-4B66-81C3-77FC9D264062}"/>
+              </a:ext>
+            </a:extLst>
+          </p:cNvPr>
+          <p:cNvSpPr txBox="1"/>
+          <p:nvPr/>
+        </p:nvSpPr>
+        <p:spPr>
+          <a:xfrm>
+            <a:off x="7247437" y="4732819"/>
+            <a:ext cx="1037784" cy="369332"/>
+          </a:xfrm>
+          <a:prstGeom prst="rect">
+            <a:avLst/>
+          </a:prstGeom>
+          <a:noFill/>
+        </p:spPr>
+        <p:txBody>
+          <a:bodyPr wrap="square" rtlCol="0">
+            <a:spAutoFit/>
+          </a:bodyPr>
+          <a:lstStyle/>
+          <a:p>
+            <a:pPr algn="ctr"/>
+            <a:r>
+              <a:rPr lang="en-US" altLang="ko-KR" dirty="0">
+                <a:latin typeface="나눔스퀘어" panose="020B0600000101010101" pitchFamily="50" charset="-127"/>
+                <a:ea typeface="나눔스퀘어" panose="020B0600000101010101" pitchFamily="50" charset="-127"/>
+              </a:rPr>
+              <a:t>commit</a:t>
+            </a:r>
+          </a:p>
+        </p:txBody>
+      </p:sp>
+      <p:sp>
+        <p:nvSpPr>
+          <p:cNvPr id="32" name="TextBox 31">
+            <a:extLst>
+              <a:ext uri="{FF2B5EF4-FFF2-40B4-BE49-F238E27FC236}">
+                <a16:creationId xmlns:a16="http://schemas.microsoft.com/office/drawing/2014/main" id="{B264B71B-7B77-4E8A-85FC-41CCE6A1F304}"/>
+              </a:ext>
+            </a:extLst>
+          </p:cNvPr>
+          <p:cNvSpPr txBox="1"/>
+          <p:nvPr/>
+        </p:nvSpPr>
+        <p:spPr>
+          <a:xfrm>
+            <a:off x="9260137" y="4732819"/>
+            <a:ext cx="1037784" cy="369332"/>
+          </a:xfrm>
+          <a:prstGeom prst="rect">
+            <a:avLst/>
+          </a:prstGeom>
+          <a:noFill/>
+        </p:spPr>
+        <p:txBody>
+          <a:bodyPr wrap="square" rtlCol="0">
+            <a:spAutoFit/>
+          </a:bodyPr>
+          <a:lstStyle/>
+          <a:p>
+            <a:pPr algn="ctr"/>
+            <a:r>
+              <a:rPr lang="en-US" altLang="ko-KR" dirty="0">
+                <a:latin typeface="나눔스퀘어" panose="020B0600000101010101" pitchFamily="50" charset="-127"/>
+                <a:ea typeface="나눔스퀘어" panose="020B0600000101010101" pitchFamily="50" charset="-127"/>
+              </a:rPr>
+              <a:t>push</a:t>
+            </a:r>
+          </a:p>
+        </p:txBody>
+      </p:sp>
+      <p:grpSp>
+        <p:nvGrpSpPr>
+          <p:cNvPr id="37" name="그룹 36">
+            <a:extLst>
+              <a:ext uri="{FF2B5EF4-FFF2-40B4-BE49-F238E27FC236}">
+                <a16:creationId xmlns:a16="http://schemas.microsoft.com/office/drawing/2014/main" id="{D788AFB3-7F55-43AE-BDA3-4FE69B13B4A6}"/>
+              </a:ext>
+            </a:extLst>
+          </p:cNvPr>
+          <p:cNvGrpSpPr/>
+          <p:nvPr/>
+        </p:nvGrpSpPr>
+        <p:grpSpPr>
+          <a:xfrm>
+            <a:off x="221673" y="5252181"/>
+            <a:ext cx="4081879" cy="369332"/>
+            <a:chOff x="221673" y="4180627"/>
+            <a:chExt cx="4081879" cy="369332"/>
+          </a:xfrm>
+        </p:grpSpPr>
+        <p:sp>
+          <p:nvSpPr>
+            <p:cNvPr id="33" name="화살표: 오른쪽 32">
+              <a:extLst>
+                <a:ext uri="{FF2B5EF4-FFF2-40B4-BE49-F238E27FC236}">
+                  <a16:creationId xmlns:a16="http://schemas.microsoft.com/office/drawing/2014/main" id="{ACFF43DA-4BEA-41B8-BB01-23C39AEA30B3}"/>
+                </a:ext>
+              </a:extLst>
+            </p:cNvPr>
+            <p:cNvSpPr/>
+            <p:nvPr/>
+          </p:nvSpPr>
+          <p:spPr>
+            <a:xfrm>
+              <a:off x="221673" y="4235939"/>
+              <a:ext cx="346652" cy="267854"/>
+            </a:xfrm>
+            <a:prstGeom prst="rightArrow">
+              <a:avLst/>
+            </a:prstGeom>
+          </p:spPr>
+          <p:style>
+            <a:lnRef idx="2">
+              <a:schemeClr val="accent1">
+                <a:shade val="50000"/>
+              </a:schemeClr>
+            </a:lnRef>
+            <a:fillRef idx="1">
+              <a:schemeClr val="accent1"/>
+            </a:fillRef>
+            <a:effectRef idx="0">
+              <a:schemeClr val="accent1"/>
+            </a:effectRef>
+            <a:fontRef idx="minor">
+              <a:schemeClr val="lt1"/>
+            </a:fontRef>
+          </p:style>
+          <p:txBody>
+            <a:bodyPr rtlCol="0" anchor="ctr"/>
+            <a:lstStyle/>
+            <a:p>
+              <a:pPr algn="ctr"/>
+              <a:endParaRPr lang="ko-KR" altLang="en-US"/>
+            </a:p>
+          </p:txBody>
+        </p:sp>
+        <p:sp>
+          <p:nvSpPr>
+            <p:cNvPr id="34" name="TextBox 33">
+              <a:extLst>
+                <a:ext uri="{FF2B5EF4-FFF2-40B4-BE49-F238E27FC236}">
+                  <a16:creationId xmlns:a16="http://schemas.microsoft.com/office/drawing/2014/main" id="{A1B65452-FAB1-4BBE-A1DA-E83B6823AA5F}"/>
+                </a:ext>
+              </a:extLst>
+            </p:cNvPr>
+            <p:cNvSpPr txBox="1"/>
+            <p:nvPr/>
+          </p:nvSpPr>
+          <p:spPr>
+            <a:xfrm>
+              <a:off x="697266" y="4180627"/>
+              <a:ext cx="3606286" cy="369332"/>
+            </a:xfrm>
+            <a:prstGeom prst="rect">
+              <a:avLst/>
+            </a:prstGeom>
+            <a:noFill/>
+          </p:spPr>
+          <p:txBody>
+            <a:bodyPr wrap="square" rtlCol="0">
+              <a:spAutoFit/>
+            </a:bodyPr>
+            <a:lstStyle/>
+            <a:p>
+              <a:r>
+                <a:rPr lang="en-US" altLang="ko-KR" dirty="0">
+                  <a:latin typeface="나눔스퀘어" panose="020B0600000101010101" pitchFamily="50" charset="-127"/>
+                  <a:ea typeface="나눔스퀘어" panose="020B0600000101010101" pitchFamily="50" charset="-127"/>
+                </a:rPr>
+                <a:t>git commit –m “</a:t>
+              </a:r>
+              <a:r>
+                <a:rPr lang="ko-KR" altLang="en-US" dirty="0">
+                  <a:latin typeface="나눔스퀘어" panose="020B0600000101010101" pitchFamily="50" charset="-127"/>
+                  <a:ea typeface="나눔스퀘어" panose="020B0600000101010101" pitchFamily="50" charset="-127"/>
+                </a:rPr>
+                <a:t>변경내용 주석＂</a:t>
+              </a:r>
+              <a:endParaRPr lang="en-US" altLang="ko-KR" b="1" dirty="0">
+                <a:latin typeface="나눔스퀘어" panose="020B0600000101010101" pitchFamily="50" charset="-127"/>
+                <a:ea typeface="나눔스퀘어" panose="020B0600000101010101" pitchFamily="50" charset="-127"/>
+              </a:endParaRPr>
+            </a:p>
+          </p:txBody>
+        </p:sp>
+      </p:grpSp>
+      <p:grpSp>
+        <p:nvGrpSpPr>
+          <p:cNvPr id="16" name="그룹 15">
+            <a:extLst>
+              <a:ext uri="{FF2B5EF4-FFF2-40B4-BE49-F238E27FC236}">
+                <a16:creationId xmlns:a16="http://schemas.microsoft.com/office/drawing/2014/main" id="{BB24EE00-8CE3-415A-8C78-09E44F950CEB}"/>
+              </a:ext>
+            </a:extLst>
+          </p:cNvPr>
+          <p:cNvGrpSpPr/>
+          <p:nvPr/>
+        </p:nvGrpSpPr>
+        <p:grpSpPr>
+          <a:xfrm>
+            <a:off x="221673" y="5813229"/>
+            <a:ext cx="2135633" cy="369332"/>
+            <a:chOff x="221673" y="4769331"/>
+            <a:chExt cx="2135633" cy="369332"/>
+          </a:xfrm>
+        </p:grpSpPr>
+        <p:sp>
+          <p:nvSpPr>
+            <p:cNvPr id="35" name="화살표: 오른쪽 34">
+              <a:extLst>
+                <a:ext uri="{FF2B5EF4-FFF2-40B4-BE49-F238E27FC236}">
+                  <a16:creationId xmlns:a16="http://schemas.microsoft.com/office/drawing/2014/main" id="{7B1CA2C4-B5CE-4A17-BC14-4B59DFB63CC7}"/>
+                </a:ext>
+              </a:extLst>
+            </p:cNvPr>
+            <p:cNvSpPr/>
+            <p:nvPr/>
+          </p:nvSpPr>
+          <p:spPr>
+            <a:xfrm>
+              <a:off x="221673" y="4824643"/>
+              <a:ext cx="346652" cy="267854"/>
+            </a:xfrm>
+            <a:prstGeom prst="rightArrow">
+              <a:avLst/>
+            </a:prstGeom>
+          </p:spPr>
+          <p:style>
+            <a:lnRef idx="2">
+              <a:schemeClr val="accent1">
+                <a:shade val="50000"/>
+              </a:schemeClr>
+            </a:lnRef>
+            <a:fillRef idx="1">
+              <a:schemeClr val="accent1"/>
+            </a:fillRef>
+            <a:effectRef idx="0">
+              <a:schemeClr val="accent1"/>
+            </a:effectRef>
+            <a:fontRef idx="minor">
+              <a:schemeClr val="lt1"/>
+            </a:fontRef>
+          </p:style>
+          <p:txBody>
+            <a:bodyPr rtlCol="0" anchor="ctr"/>
+            <a:lstStyle/>
+            <a:p>
+              <a:pPr algn="ctr"/>
+              <a:endParaRPr lang="ko-KR" altLang="en-US"/>
+            </a:p>
+          </p:txBody>
+        </p:sp>
+        <p:sp>
+          <p:nvSpPr>
+            <p:cNvPr id="36" name="TextBox 35">
+              <a:extLst>
+                <a:ext uri="{FF2B5EF4-FFF2-40B4-BE49-F238E27FC236}">
+                  <a16:creationId xmlns:a16="http://schemas.microsoft.com/office/drawing/2014/main" id="{F7CA1121-7106-45A6-8E09-EAADCABF0D4A}"/>
+                </a:ext>
+              </a:extLst>
+            </p:cNvPr>
+            <p:cNvSpPr txBox="1"/>
+            <p:nvPr/>
+          </p:nvSpPr>
+          <p:spPr>
+            <a:xfrm>
+              <a:off x="697266" y="4769331"/>
+              <a:ext cx="1660040" cy="369332"/>
+            </a:xfrm>
+            <a:prstGeom prst="rect">
+              <a:avLst/>
+            </a:prstGeom>
+            <a:noFill/>
+          </p:spPr>
+          <p:txBody>
+            <a:bodyPr wrap="square" rtlCol="0">
+              <a:spAutoFit/>
+            </a:bodyPr>
+            <a:lstStyle/>
+            <a:p>
+              <a:r>
+                <a:rPr lang="en-US" altLang="ko-KR" dirty="0">
+                  <a:latin typeface="나눔스퀘어" panose="020B0600000101010101" pitchFamily="50" charset="-127"/>
+                  <a:ea typeface="나눔스퀘어" panose="020B0600000101010101" pitchFamily="50" charset="-127"/>
+                </a:rPr>
+                <a:t>git push</a:t>
+              </a:r>
+              <a:endParaRPr lang="en-US" altLang="ko-KR" b="1" dirty="0">
+                <a:latin typeface="나눔스퀘어" panose="020B0600000101010101" pitchFamily="50" charset="-127"/>
+                <a:ea typeface="나눔스퀘어" panose="020B0600000101010101" pitchFamily="50" charset="-127"/>
+              </a:endParaRPr>
+            </a:p>
+          </p:txBody>
+        </p:sp>
+      </p:grpSp>
+      <p:grpSp>
+        <p:nvGrpSpPr>
+          <p:cNvPr id="17" name="그룹 16">
+            <a:extLst>
+              <a:ext uri="{FF2B5EF4-FFF2-40B4-BE49-F238E27FC236}">
+                <a16:creationId xmlns:a16="http://schemas.microsoft.com/office/drawing/2014/main" id="{DB1C6393-DDD1-41A7-9728-C1CC317337BD}"/>
+              </a:ext>
+            </a:extLst>
+          </p:cNvPr>
+          <p:cNvGrpSpPr/>
+          <p:nvPr/>
+        </p:nvGrpSpPr>
+        <p:grpSpPr>
+          <a:xfrm>
+            <a:off x="6345797" y="407355"/>
+            <a:ext cx="3622723" cy="2433431"/>
+            <a:chOff x="6168639" y="407355"/>
+            <a:chExt cx="3622723" cy="2433431"/>
+          </a:xfrm>
+        </p:grpSpPr>
+        <p:grpSp>
+          <p:nvGrpSpPr>
+            <p:cNvPr id="39" name="그룹 38">
+              <a:extLst>
+                <a:ext uri="{FF2B5EF4-FFF2-40B4-BE49-F238E27FC236}">
+                  <a16:creationId xmlns:a16="http://schemas.microsoft.com/office/drawing/2014/main" id="{E86E1F83-632E-45CF-9F8E-9FC1FA917CAA}"/>
+                </a:ext>
+              </a:extLst>
+            </p:cNvPr>
+            <p:cNvGrpSpPr/>
+            <p:nvPr/>
+          </p:nvGrpSpPr>
+          <p:grpSpPr>
+            <a:xfrm>
+              <a:off x="6168639" y="407355"/>
+              <a:ext cx="1454805" cy="2433431"/>
+              <a:chOff x="10057976" y="3775406"/>
+              <a:chExt cx="1454805" cy="2433431"/>
+            </a:xfrm>
+          </p:grpSpPr>
+          <p:sp>
+            <p:nvSpPr>
+              <p:cNvPr id="40" name="TextBox 39">
+                <a:extLst>
+                  <a:ext uri="{FF2B5EF4-FFF2-40B4-BE49-F238E27FC236}">
+                    <a16:creationId xmlns:a16="http://schemas.microsoft.com/office/drawing/2014/main" id="{805D30E2-AD7D-48DB-A10D-0596BD24B6B1}"/>
+                  </a:ext>
+                </a:extLst>
+              </p:cNvPr>
+              <p:cNvSpPr txBox="1"/>
+              <p:nvPr/>
+            </p:nvSpPr>
+            <p:spPr>
+              <a:xfrm>
+                <a:off x="10057976" y="5839505"/>
+                <a:ext cx="1454805" cy="369332"/>
+              </a:xfrm>
+              <a:prstGeom prst="rect">
+                <a:avLst/>
+              </a:prstGeom>
+              <a:noFill/>
+            </p:spPr>
+            <p:txBody>
+              <a:bodyPr wrap="square" rtlCol="0">
+                <a:spAutoFit/>
+              </a:bodyPr>
+              <a:lstStyle/>
+              <a:p>
+                <a:pPr algn="ctr"/>
+                <a:r>
+                  <a:rPr lang="ko-KR" altLang="en-US">
+                    <a:latin typeface="나눔스퀘어" panose="020B0600000101010101" pitchFamily="50" charset="-127"/>
+                    <a:ea typeface="나눔스퀘어" panose="020B0600000101010101" pitchFamily="50" charset="-127"/>
+                  </a:rPr>
+                  <a:t>원격저장소</a:t>
+                </a:r>
+                <a:endParaRPr lang="en-US" altLang="ko-KR" dirty="0">
+                  <a:latin typeface="나눔스퀘어" panose="020B0600000101010101" pitchFamily="50" charset="-127"/>
+                  <a:ea typeface="나눔스퀘어" panose="020B0600000101010101" pitchFamily="50" charset="-127"/>
+                </a:endParaRPr>
+              </a:p>
+            </p:txBody>
+          </p:sp>
+          <p:sp>
+            <p:nvSpPr>
+              <p:cNvPr id="41" name="직사각형 40">
+                <a:extLst>
+                  <a:ext uri="{FF2B5EF4-FFF2-40B4-BE49-F238E27FC236}">
+                    <a16:creationId xmlns:a16="http://schemas.microsoft.com/office/drawing/2014/main" id="{4408606E-10DD-4C34-B061-93B2D05037E9}"/>
+                  </a:ext>
+                </a:extLst>
+              </p:cNvPr>
+              <p:cNvSpPr/>
+              <p:nvPr/>
+            </p:nvSpPr>
+            <p:spPr>
+              <a:xfrm>
+                <a:off x="10194039" y="3775406"/>
+                <a:ext cx="1182679" cy="1766412"/>
+              </a:xfrm>
+              <a:prstGeom prst="rect">
+                <a:avLst/>
+              </a:prstGeom>
+              <a:noFill/>
+            </p:spPr>
+            <p:style>
+              <a:lnRef idx="2">
+                <a:schemeClr val="accent1">
+                  <a:shade val="50000"/>
+                </a:schemeClr>
+              </a:lnRef>
+              <a:fillRef idx="1">
+                <a:schemeClr val="accent1"/>
+              </a:fillRef>
+              <a:effectRef idx="0">
+                <a:schemeClr val="accent1"/>
+              </a:effectRef>
+              <a:fontRef idx="minor">
+                <a:schemeClr val="lt1"/>
+              </a:fontRef>
+            </p:style>
+            <p:txBody>
+              <a:bodyPr rtlCol="0" anchor="ctr"/>
+              <a:lstStyle/>
+              <a:p>
+                <a:pPr algn="ctr"/>
+                <a:endParaRPr lang="ko-KR" altLang="en-US"/>
+              </a:p>
+            </p:txBody>
+          </p:sp>
+        </p:grpSp>
+        <p:sp>
+          <p:nvSpPr>
+            <p:cNvPr id="42" name="화살표: 오른쪽 41">
+              <a:extLst>
+                <a:ext uri="{FF2B5EF4-FFF2-40B4-BE49-F238E27FC236}">
+                  <a16:creationId xmlns:a16="http://schemas.microsoft.com/office/drawing/2014/main" id="{2AC5D925-F3E8-4983-A2AF-41AFF4F3910C}"/>
+                </a:ext>
+              </a:extLst>
+            </p:cNvPr>
+            <p:cNvSpPr/>
+            <p:nvPr/>
+          </p:nvSpPr>
+          <p:spPr>
+            <a:xfrm>
+              <a:off x="7744860" y="1379692"/>
+              <a:ext cx="461818" cy="369332"/>
+            </a:xfrm>
+            <a:prstGeom prst="rightArrow">
+              <a:avLst/>
+            </a:prstGeom>
+          </p:spPr>
+          <p:style>
+            <a:lnRef idx="2">
+              <a:schemeClr val="accent1">
+                <a:shade val="50000"/>
+              </a:schemeClr>
+            </a:lnRef>
+            <a:fillRef idx="1">
+              <a:schemeClr val="accent1"/>
+            </a:fillRef>
+            <a:effectRef idx="0">
+              <a:schemeClr val="accent1"/>
+            </a:effectRef>
+            <a:fontRef idx="minor">
+              <a:schemeClr val="lt1"/>
+            </a:fontRef>
+          </p:style>
+          <p:txBody>
+            <a:bodyPr rtlCol="0" anchor="ctr"/>
+            <a:lstStyle/>
+            <a:p>
+              <a:pPr algn="ctr"/>
+              <a:endParaRPr lang="ko-KR" altLang="en-US"/>
+            </a:p>
+          </p:txBody>
+        </p:sp>
+        <p:sp>
+          <p:nvSpPr>
+            <p:cNvPr id="43" name="TextBox 42">
+              <a:extLst>
+                <a:ext uri="{FF2B5EF4-FFF2-40B4-BE49-F238E27FC236}">
+                  <a16:creationId xmlns:a16="http://schemas.microsoft.com/office/drawing/2014/main" id="{2745F545-798B-434A-A4D1-4AD90566A5ED}"/>
+                </a:ext>
+              </a:extLst>
+            </p:cNvPr>
+            <p:cNvSpPr txBox="1"/>
+            <p:nvPr/>
+          </p:nvSpPr>
+          <p:spPr>
+            <a:xfrm>
+              <a:off x="7487381" y="673688"/>
+              <a:ext cx="1037784" cy="369332"/>
+            </a:xfrm>
+            <a:prstGeom prst="rect">
+              <a:avLst/>
+            </a:prstGeom>
+            <a:noFill/>
+          </p:spPr>
+          <p:txBody>
+            <a:bodyPr wrap="square" rtlCol="0">
+              <a:spAutoFit/>
+            </a:bodyPr>
+            <a:lstStyle/>
+            <a:p>
+              <a:pPr algn="ctr"/>
+              <a:r>
+                <a:rPr lang="en-US" altLang="ko-KR" dirty="0">
+                  <a:latin typeface="나눔스퀘어" panose="020B0600000101010101" pitchFamily="50" charset="-127"/>
+                  <a:ea typeface="나눔스퀘어" panose="020B0600000101010101" pitchFamily="50" charset="-127"/>
+                </a:rPr>
+                <a:t>clone</a:t>
+              </a:r>
+            </a:p>
+          </p:txBody>
+        </p:sp>
+        <p:grpSp>
+          <p:nvGrpSpPr>
+            <p:cNvPr id="44" name="그룹 43">
+              <a:extLst>
+                <a:ext uri="{FF2B5EF4-FFF2-40B4-BE49-F238E27FC236}">
+                  <a16:creationId xmlns:a16="http://schemas.microsoft.com/office/drawing/2014/main" id="{43FBF4F4-0358-45E1-BDA5-29C3CFFD6C45}"/>
+                </a:ext>
+              </a:extLst>
+            </p:cNvPr>
+            <p:cNvGrpSpPr/>
+            <p:nvPr/>
+          </p:nvGrpSpPr>
+          <p:grpSpPr>
+            <a:xfrm>
+              <a:off x="8336557" y="407355"/>
+              <a:ext cx="1454805" cy="2433431"/>
+              <a:chOff x="3883813" y="3775406"/>
+              <a:chExt cx="1454805" cy="2433431"/>
+            </a:xfrm>
+          </p:grpSpPr>
+          <p:sp>
+            <p:nvSpPr>
+              <p:cNvPr id="45" name="TextBox 44">
+                <a:extLst>
+                  <a:ext uri="{FF2B5EF4-FFF2-40B4-BE49-F238E27FC236}">
+                    <a16:creationId xmlns:a16="http://schemas.microsoft.com/office/drawing/2014/main" id="{457BC4F8-9BE6-47B4-A8DC-42FA4484A111}"/>
+                  </a:ext>
+                </a:extLst>
+              </p:cNvPr>
+              <p:cNvSpPr txBox="1"/>
+              <p:nvPr/>
+            </p:nvSpPr>
+            <p:spPr>
+              <a:xfrm>
+                <a:off x="3883813" y="5839505"/>
+                <a:ext cx="1454805" cy="369332"/>
+              </a:xfrm>
+              <a:prstGeom prst="rect">
+                <a:avLst/>
+              </a:prstGeom>
+              <a:noFill/>
+            </p:spPr>
+            <p:txBody>
+              <a:bodyPr wrap="square" rtlCol="0">
+                <a:spAutoFit/>
+              </a:bodyPr>
+              <a:lstStyle/>
+              <a:p>
+                <a:pPr algn="ctr"/>
+                <a:r>
+                  <a:rPr lang="ko-KR" altLang="en-US">
+                    <a:latin typeface="나눔스퀘어" panose="020B0600000101010101" pitchFamily="50" charset="-127"/>
+                    <a:ea typeface="나눔스퀘어" panose="020B0600000101010101" pitchFamily="50" charset="-127"/>
+                  </a:rPr>
+                  <a:t>로컬저장소</a:t>
+                </a:r>
+                <a:endParaRPr lang="en-US" altLang="ko-KR" dirty="0">
+                  <a:latin typeface="나눔스퀘어" panose="020B0600000101010101" pitchFamily="50" charset="-127"/>
+                  <a:ea typeface="나눔스퀘어" panose="020B0600000101010101" pitchFamily="50" charset="-127"/>
+                </a:endParaRPr>
+              </a:p>
+            </p:txBody>
+          </p:sp>
+          <p:sp>
+            <p:nvSpPr>
+              <p:cNvPr id="46" name="직사각형 45">
+                <a:extLst>
+                  <a:ext uri="{FF2B5EF4-FFF2-40B4-BE49-F238E27FC236}">
+                    <a16:creationId xmlns:a16="http://schemas.microsoft.com/office/drawing/2014/main" id="{F156373D-578A-4C02-B10F-6241AB1F45A5}"/>
+                  </a:ext>
+                </a:extLst>
+              </p:cNvPr>
+              <p:cNvSpPr/>
+              <p:nvPr/>
+            </p:nvSpPr>
+            <p:spPr>
+              <a:xfrm>
+                <a:off x="4019876" y="3775406"/>
+                <a:ext cx="1182679" cy="1766412"/>
+              </a:xfrm>
+              <a:prstGeom prst="rect">
+                <a:avLst/>
+              </a:prstGeom>
+              <a:noFill/>
+            </p:spPr>
+            <p:style>
+              <a:lnRef idx="2">
+                <a:schemeClr val="accent1">
+                  <a:shade val="50000"/>
+                </a:schemeClr>
+              </a:lnRef>
+              <a:fillRef idx="1">
+                <a:schemeClr val="accent1"/>
+              </a:fillRef>
+              <a:effectRef idx="0">
+                <a:schemeClr val="accent1"/>
+              </a:effectRef>
+              <a:fontRef idx="minor">
+                <a:schemeClr val="lt1"/>
+              </a:fontRef>
+            </p:style>
+            <p:txBody>
+              <a:bodyPr rtlCol="0" anchor="ctr"/>
+              <a:lstStyle/>
+              <a:p>
+                <a:pPr algn="ctr"/>
+                <a:endParaRPr lang="ko-KR" altLang="en-US"/>
+              </a:p>
+            </p:txBody>
+          </p:sp>
+        </p:grpSp>
+        <p:sp>
+          <p:nvSpPr>
+            <p:cNvPr id="53" name="TextBox 52">
+              <a:extLst>
+                <a:ext uri="{FF2B5EF4-FFF2-40B4-BE49-F238E27FC236}">
+                  <a16:creationId xmlns:a16="http://schemas.microsoft.com/office/drawing/2014/main" id="{5BD270F8-6BF5-49A5-ACC6-3587EFBB7B88}"/>
+                </a:ext>
+              </a:extLst>
+            </p:cNvPr>
+            <p:cNvSpPr txBox="1"/>
+            <p:nvPr/>
+          </p:nvSpPr>
+          <p:spPr>
+            <a:xfrm>
+              <a:off x="7487381" y="1009063"/>
+              <a:ext cx="1037784" cy="369332"/>
+            </a:xfrm>
+            <a:prstGeom prst="rect">
+              <a:avLst/>
+            </a:prstGeom>
+            <a:noFill/>
+          </p:spPr>
+          <p:txBody>
+            <a:bodyPr wrap="square" rtlCol="0">
+              <a:spAutoFit/>
+            </a:bodyPr>
+            <a:lstStyle/>
+            <a:p>
+              <a:pPr algn="ctr"/>
+              <a:r>
+                <a:rPr lang="en-US" altLang="ko-KR" dirty="0">
+                  <a:latin typeface="나눔스퀘어" panose="020B0600000101010101" pitchFamily="50" charset="-127"/>
+                  <a:ea typeface="나눔스퀘어" panose="020B0600000101010101" pitchFamily="50" charset="-127"/>
+                </a:rPr>
+                <a:t>pull</a:t>
+              </a:r>
+            </a:p>
+          </p:txBody>
+        </p:sp>
+      </p:grpSp>
+      <p:sp>
+        <p:nvSpPr>
+          <p:cNvPr id="50" name="화살표: 오른쪽 49">
+            <a:extLst>
+              <a:ext uri="{FF2B5EF4-FFF2-40B4-BE49-F238E27FC236}">
+                <a16:creationId xmlns:a16="http://schemas.microsoft.com/office/drawing/2014/main" id="{C4ECE373-3457-4169-B69D-7C8E4C88B5A6}"/>
+              </a:ext>
+            </a:extLst>
+          </p:cNvPr>
+          <p:cNvSpPr/>
+          <p:nvPr/>
+        </p:nvSpPr>
+        <p:spPr>
+          <a:xfrm>
+            <a:off x="221673" y="1928915"/>
+            <a:ext cx="346652" cy="267854"/>
+          </a:xfrm>
+          <a:prstGeom prst="rightArrow">
+            <a:avLst/>
+          </a:prstGeom>
+        </p:spPr>
+        <p:style>
+          <a:lnRef idx="2">
+            <a:schemeClr val="accent1">
+              <a:shade val="50000"/>
+            </a:schemeClr>
+          </a:lnRef>
+          <a:fillRef idx="1">
+            <a:schemeClr val="accent1"/>
+          </a:fillRef>
+          <a:effectRef idx="0">
+            <a:schemeClr val="accent1"/>
+          </a:effectRef>
+          <a:fontRef idx="minor">
+            <a:schemeClr val="lt1"/>
+          </a:fontRef>
+        </p:style>
+        <p:txBody>
+          <a:bodyPr rtlCol="0" anchor="ctr"/>
+          <a:lstStyle/>
+          <a:p>
+            <a:pPr algn="ctr"/>
+            <a:endParaRPr lang="ko-KR" altLang="en-US"/>
+          </a:p>
+        </p:txBody>
+      </p:sp>
+      <p:sp>
+        <p:nvSpPr>
+          <p:cNvPr id="51" name="TextBox 50">
+            <a:extLst>
+              <a:ext uri="{FF2B5EF4-FFF2-40B4-BE49-F238E27FC236}">
+                <a16:creationId xmlns:a16="http://schemas.microsoft.com/office/drawing/2014/main" id="{EF720CE1-7D1D-4804-BB50-9B73987889B1}"/>
+              </a:ext>
+            </a:extLst>
+          </p:cNvPr>
+          <p:cNvSpPr txBox="1"/>
+          <p:nvPr/>
+        </p:nvSpPr>
+        <p:spPr>
+          <a:xfrm>
+            <a:off x="697266" y="1873603"/>
+            <a:ext cx="2431828" cy="369332"/>
+          </a:xfrm>
+          <a:prstGeom prst="rect">
+            <a:avLst/>
+          </a:prstGeom>
+          <a:noFill/>
+        </p:spPr>
+        <p:txBody>
+          <a:bodyPr wrap="square" rtlCol="0">
+            <a:spAutoFit/>
+          </a:bodyPr>
+          <a:lstStyle/>
+          <a:p>
+            <a:r>
+              <a:rPr lang="en-US" altLang="ko-KR" dirty="0">
+                <a:latin typeface="나눔스퀘어" panose="020B0600000101010101" pitchFamily="50" charset="-127"/>
+                <a:ea typeface="나눔스퀘어" panose="020B0600000101010101" pitchFamily="50" charset="-127"/>
+              </a:rPr>
+              <a:t>git pull origin main</a:t>
+            </a:r>
+            <a:endParaRPr lang="en-US" altLang="ko-KR" b="1" dirty="0">
+              <a:latin typeface="나눔스퀘어" panose="020B0600000101010101" pitchFamily="50" charset="-127"/>
+              <a:ea typeface="나눔스퀘어" panose="020B0600000101010101" pitchFamily="50" charset="-127"/>
+            </a:endParaRPr>
+          </a:p>
+        </p:txBody>
+      </p:sp>
+      <p:sp>
+        <p:nvSpPr>
+          <p:cNvPr id="52" name="TextBox 51">
+            <a:extLst>
+              <a:ext uri="{FF2B5EF4-FFF2-40B4-BE49-F238E27FC236}">
+                <a16:creationId xmlns:a16="http://schemas.microsoft.com/office/drawing/2014/main" id="{C5194224-0376-4A86-96CE-3728F90F20B1}"/>
+              </a:ext>
+            </a:extLst>
+          </p:cNvPr>
+          <p:cNvSpPr txBox="1"/>
+          <p:nvPr/>
+        </p:nvSpPr>
+        <p:spPr>
+          <a:xfrm>
+            <a:off x="697266" y="2446258"/>
+            <a:ext cx="5265565" cy="369332"/>
+          </a:xfrm>
+          <a:prstGeom prst="rect">
+            <a:avLst/>
+          </a:prstGeom>
+          <a:noFill/>
+        </p:spPr>
+        <p:txBody>
+          <a:bodyPr wrap="square" rtlCol="0">
+            <a:spAutoFit/>
+          </a:bodyPr>
+          <a:lstStyle/>
+          <a:p>
+            <a:r>
+              <a:rPr lang="ko-KR" altLang="en-US" dirty="0">
+                <a:latin typeface="나눔스퀘어" panose="020B0600000101010101" pitchFamily="50" charset="-127"/>
+                <a:ea typeface="나눔스퀘어" panose="020B0600000101010101" pitchFamily="50" charset="-127"/>
+              </a:rPr>
+              <a:t>원격 저장소의 내용을 로컬저장소로 덮어씌운다</a:t>
+            </a:r>
+            <a:r>
+              <a:rPr lang="en-US" altLang="ko-KR" dirty="0">
+                <a:latin typeface="나눔스퀘어" panose="020B0600000101010101" pitchFamily="50" charset="-127"/>
+                <a:ea typeface="나눔스퀘어" panose="020B0600000101010101" pitchFamily="50" charset="-127"/>
+              </a:rPr>
+              <a:t>.</a:t>
+            </a:r>
+          </a:p>
+        </p:txBody>
+      </p:sp>
+    </p:spTree>
+    <p:extLst>
+      <p:ext uri="{BB962C8B-B14F-4D97-AF65-F5344CB8AC3E}">
+        <p14:creationId xmlns:p14="http://schemas.microsoft.com/office/powerpoint/2010/main" val="163409052"/>
+      </p:ext>
+    </p:extLst>
+  </p:cSld>
+  <p:clrMapOvr>
+    <a:masterClrMapping/>
+  </p:clrMapOvr>
+</p:sld>
+</file>
+
 <file path=ppt/theme/theme1.xml><?xml version="1.0" encoding="utf-8"?>
 <a:theme xmlns:a="http://schemas.openxmlformats.org/drawingml/2006/main" name="Office 테마">
   <a:themeElements>

--- a/(21-33주차) GitHub 스터디_주학종.pptx
+++ b/(21-33주차) GitHub 스터디_주학종.pptx
@@ -5,29 +5,28 @@
     <p:sldMasterId id="2147483648" r:id="rId1"/>
   </p:sldMasterIdLst>
   <p:notesMasterIdLst>
-    <p:notesMasterId r:id="rId6"/>
+    <p:notesMasterId r:id="rId5"/>
   </p:notesMasterIdLst>
   <p:sldIdLst>
     <p:sldId id="256" r:id="rId2"/>
     <p:sldId id="395" r:id="rId3"/>
     <p:sldId id="397" r:id="rId4"/>
-    <p:sldId id="398" r:id="rId5"/>
   </p:sldIdLst>
   <p:sldSz cx="12192000" cy="6858000"/>
   <p:notesSz cx="6858000" cy="9144000"/>
   <p:embeddedFontLst>
     <p:embeddedFont>
-      <p:font typeface="맑은 고딕" panose="020B0503020000020004" pitchFamily="50" charset="-127"/>
-      <p:regular r:id="rId7"/>
-      <p:bold r:id="rId8"/>
-    </p:embeddedFont>
-    <p:embeddedFont>
       <p:font typeface="나눔스퀘어" panose="020B0600000101010101" pitchFamily="50" charset="-127"/>
-      <p:regular r:id="rId9"/>
+      <p:regular r:id="rId6"/>
     </p:embeddedFont>
     <p:embeddedFont>
       <p:font typeface="나눔스퀘어 ExtraBold" panose="020B0600000101010101" pitchFamily="50" charset="-127"/>
-      <p:bold r:id="rId10"/>
+      <p:bold r:id="rId7"/>
+    </p:embeddedFont>
+    <p:embeddedFont>
+      <p:font typeface="맑은 고딕" panose="020B0503020000020004" pitchFamily="50" charset="-127"/>
+      <p:regular r:id="rId8"/>
+      <p:bold r:id="rId9"/>
     </p:embeddedFont>
   </p:embeddedFontLst>
   <p:defaultTextStyle>
@@ -741,90 +740,6 @@
     <p:extLst>
       <p:ext uri="{BB962C8B-B14F-4D97-AF65-F5344CB8AC3E}">
         <p14:creationId xmlns:p14="http://schemas.microsoft.com/office/powerpoint/2010/main" val="3074882248"/>
-      </p:ext>
-    </p:extLst>
-  </p:cSld>
-  <p:clrMapOvr>
-    <a:masterClrMapping/>
-  </p:clrMapOvr>
-</p:notes>
-</file>
-
-<file path=ppt/notesSlides/notesSlide4.xml><?xml version="1.0" encoding="utf-8"?>
-<p:notes xmlns:a="http://schemas.openxmlformats.org/drawingml/2006/main" xmlns:r="http://schemas.openxmlformats.org/officeDocument/2006/relationships" xmlns:p="http://schemas.openxmlformats.org/presentationml/2006/main">
-  <p:cSld>
-    <p:spTree>
-      <p:nvGrpSpPr>
-        <p:cNvPr id="1" name=""/>
-        <p:cNvGrpSpPr/>
-        <p:nvPr/>
-      </p:nvGrpSpPr>
-      <p:grpSpPr>
-        <a:xfrm>
-          <a:off x="0" y="0"/>
-          <a:ext cx="0" cy="0"/>
-          <a:chOff x="0" y="0"/>
-          <a:chExt cx="0" cy="0"/>
-        </a:xfrm>
-      </p:grpSpPr>
-      <p:sp>
-        <p:nvSpPr>
-          <p:cNvPr id="2" name="슬라이드 이미지 개체 틀 1"/>
-          <p:cNvSpPr>
-            <a:spLocks noGrp="1" noRot="1" noChangeAspect="1"/>
-          </p:cNvSpPr>
-          <p:nvPr>
-            <p:ph type="sldImg"/>
-          </p:nvPr>
-        </p:nvSpPr>
-        <p:spPr/>
-      </p:sp>
-      <p:sp>
-        <p:nvSpPr>
-          <p:cNvPr id="3" name="슬라이드 노트 개체 틀 2"/>
-          <p:cNvSpPr>
-            <a:spLocks noGrp="1"/>
-          </p:cNvSpPr>
-          <p:nvPr>
-            <p:ph type="body" idx="1"/>
-          </p:nvPr>
-        </p:nvSpPr>
-        <p:spPr/>
-        <p:txBody>
-          <a:bodyPr/>
-          <a:lstStyle/>
-          <a:p>
-            <a:endParaRPr lang="en-US" altLang="ko-KR" baseline="0" dirty="0"/>
-          </a:p>
-        </p:txBody>
-      </p:sp>
-      <p:sp>
-        <p:nvSpPr>
-          <p:cNvPr id="4" name="슬라이드 번호 개체 틀 3"/>
-          <p:cNvSpPr>
-            <a:spLocks noGrp="1"/>
-          </p:cNvSpPr>
-          <p:nvPr>
-            <p:ph type="sldNum" sz="quarter" idx="10"/>
-          </p:nvPr>
-        </p:nvSpPr>
-        <p:spPr/>
-        <p:txBody>
-          <a:bodyPr/>
-          <a:lstStyle/>
-          <a:p>
-            <a:fld id="{116A6877-8B73-4A95-9B70-003271156E6C}" type="slidenum">
-              <a:rPr lang="ko-KR" altLang="en-US" smtClean="0"/>
-              <a:t>4</a:t>
-            </a:fld>
-            <a:endParaRPr lang="ko-KR" altLang="en-US"/>
-          </a:p>
-        </p:txBody>
-      </p:sp>
-    </p:spTree>
-    <p:extLst>
-      <p:ext uri="{BB962C8B-B14F-4D97-AF65-F5344CB8AC3E}">
-        <p14:creationId xmlns:p14="http://schemas.microsoft.com/office/powerpoint/2010/main" val="226035124"/>
       </p:ext>
     </p:extLst>
   </p:cSld>
@@ -6666,2048 +6581,6 @@
 </p:sld>
 </file>
 
-<file path=ppt/slides/slide4.xml><?xml version="1.0" encoding="utf-8"?>
-<p:sld xmlns:a="http://schemas.openxmlformats.org/drawingml/2006/main" xmlns:r="http://schemas.openxmlformats.org/officeDocument/2006/relationships" xmlns:p="http://schemas.openxmlformats.org/presentationml/2006/main">
-  <p:cSld>
-    <p:spTree>
-      <p:nvGrpSpPr>
-        <p:cNvPr id="1" name=""/>
-        <p:cNvGrpSpPr/>
-        <p:nvPr/>
-      </p:nvGrpSpPr>
-      <p:grpSpPr>
-        <a:xfrm>
-          <a:off x="0" y="0"/>
-          <a:ext cx="0" cy="0"/>
-          <a:chOff x="0" y="0"/>
-          <a:chExt cx="0" cy="0"/>
-        </a:xfrm>
-      </p:grpSpPr>
-      <p:sp>
-        <p:nvSpPr>
-          <p:cNvPr id="2" name="TextBox 1"/>
-          <p:cNvSpPr txBox="1"/>
-          <p:nvPr/>
-        </p:nvSpPr>
-        <p:spPr>
-          <a:xfrm>
-            <a:off x="461963" y="228478"/>
-            <a:ext cx="6120870" cy="492443"/>
-          </a:xfrm>
-          <a:prstGeom prst="rect">
-            <a:avLst/>
-          </a:prstGeom>
-          <a:noFill/>
-        </p:spPr>
-        <p:txBody>
-          <a:bodyPr wrap="square" rtlCol="0">
-            <a:spAutoFit/>
-          </a:bodyPr>
-          <a:lstStyle/>
-          <a:p>
-            <a:r>
-              <a:rPr lang="en-US" altLang="ko-KR" sz="2600" dirty="0">
-                <a:solidFill>
-                  <a:srgbClr val="1A236F"/>
-                </a:solidFill>
-                <a:latin typeface="나눔스퀘어 ExtraBold" panose="020B0600000101010101" pitchFamily="50" charset="-127"/>
-                <a:ea typeface="나눔스퀘어 ExtraBold" panose="020B0600000101010101" pitchFamily="50" charset="-127"/>
-              </a:rPr>
-              <a:t>Git </a:t>
-            </a:r>
-            <a:r>
-              <a:rPr lang="ko-KR" altLang="en-US" sz="2600" dirty="0">
-                <a:solidFill>
-                  <a:srgbClr val="1A236F"/>
-                </a:solidFill>
-                <a:latin typeface="나눔스퀘어 ExtraBold" panose="020B0600000101010101" pitchFamily="50" charset="-127"/>
-                <a:ea typeface="나눔스퀘어 ExtraBold" panose="020B0600000101010101" pitchFamily="50" charset="-127"/>
-              </a:rPr>
-              <a:t>기본 명령어</a:t>
-            </a:r>
-            <a:endParaRPr lang="en-US" altLang="ko-KR" sz="2600" dirty="0">
-              <a:solidFill>
-                <a:srgbClr val="1A236F"/>
-              </a:solidFill>
-              <a:latin typeface="나눔스퀘어 ExtraBold" panose="020B0600000101010101" pitchFamily="50" charset="-127"/>
-              <a:ea typeface="나눔스퀘어 ExtraBold" panose="020B0600000101010101" pitchFamily="50" charset="-127"/>
-            </a:endParaRPr>
-          </a:p>
-        </p:txBody>
-      </p:sp>
-      <p:sp>
-        <p:nvSpPr>
-          <p:cNvPr id="4" name="직사각형 3"/>
-          <p:cNvSpPr/>
-          <p:nvPr/>
-        </p:nvSpPr>
-        <p:spPr>
-          <a:xfrm>
-            <a:off x="1" y="-1"/>
-            <a:ext cx="568324" cy="86628"/>
-          </a:xfrm>
-          <a:prstGeom prst="rect">
-            <a:avLst/>
-          </a:prstGeom>
-          <a:solidFill>
-            <a:srgbClr val="02AC8A"/>
-          </a:solidFill>
-          <a:ln>
-            <a:noFill/>
-          </a:ln>
-        </p:spPr>
-        <p:style>
-          <a:lnRef idx="2">
-            <a:schemeClr val="accent1">
-              <a:shade val="50000"/>
-            </a:schemeClr>
-          </a:lnRef>
-          <a:fillRef idx="1">
-            <a:schemeClr val="accent1"/>
-          </a:fillRef>
-          <a:effectRef idx="0">
-            <a:schemeClr val="accent1"/>
-          </a:effectRef>
-          <a:fontRef idx="minor">
-            <a:schemeClr val="lt1"/>
-          </a:fontRef>
-        </p:style>
-        <p:txBody>
-          <a:bodyPr rtlCol="0" anchor="ctr"/>
-          <a:lstStyle/>
-          <a:p>
-            <a:pPr algn="ctr"/>
-            <a:endParaRPr lang="ko-KR" altLang="en-US"/>
-          </a:p>
-        </p:txBody>
-      </p:sp>
-      <p:grpSp>
-        <p:nvGrpSpPr>
-          <p:cNvPr id="48" name="그룹 47">
-            <a:extLst>
-              <a:ext uri="{FF2B5EF4-FFF2-40B4-BE49-F238E27FC236}">
-                <a16:creationId xmlns:a16="http://schemas.microsoft.com/office/drawing/2014/main" id="{6FEE9A87-BFA8-4F8A-A46E-D2A268A2C50D}"/>
-              </a:ext>
-            </a:extLst>
-          </p:cNvPr>
-          <p:cNvGrpSpPr/>
-          <p:nvPr/>
-        </p:nvGrpSpPr>
-        <p:grpSpPr>
-          <a:xfrm>
-            <a:off x="221673" y="891555"/>
-            <a:ext cx="11970327" cy="941987"/>
-            <a:chOff x="221673" y="1182361"/>
-            <a:chExt cx="11970327" cy="941987"/>
-          </a:xfrm>
-        </p:grpSpPr>
-        <p:sp>
-          <p:nvSpPr>
-            <p:cNvPr id="3" name="화살표: 오른쪽 2">
-              <a:extLst>
-                <a:ext uri="{FF2B5EF4-FFF2-40B4-BE49-F238E27FC236}">
-                  <a16:creationId xmlns:a16="http://schemas.microsoft.com/office/drawing/2014/main" id="{4609B542-1AA5-467D-8DB6-08B0A86C5B44}"/>
-                </a:ext>
-              </a:extLst>
-            </p:cNvPr>
-            <p:cNvSpPr/>
-            <p:nvPr/>
-          </p:nvSpPr>
-          <p:spPr>
-            <a:xfrm>
-              <a:off x="221673" y="1237673"/>
-              <a:ext cx="346652" cy="267854"/>
-            </a:xfrm>
-            <a:prstGeom prst="rightArrow">
-              <a:avLst/>
-            </a:prstGeom>
-          </p:spPr>
-          <p:style>
-            <a:lnRef idx="2">
-              <a:schemeClr val="accent1">
-                <a:shade val="50000"/>
-              </a:schemeClr>
-            </a:lnRef>
-            <a:fillRef idx="1">
-              <a:schemeClr val="accent1"/>
-            </a:fillRef>
-            <a:effectRef idx="0">
-              <a:schemeClr val="accent1"/>
-            </a:effectRef>
-            <a:fontRef idx="minor">
-              <a:schemeClr val="lt1"/>
-            </a:fontRef>
-          </p:style>
-          <p:txBody>
-            <a:bodyPr rtlCol="0" anchor="ctr"/>
-            <a:lstStyle/>
-            <a:p>
-              <a:pPr algn="ctr"/>
-              <a:endParaRPr lang="ko-KR" altLang="en-US"/>
-            </a:p>
-          </p:txBody>
-        </p:sp>
-        <p:sp>
-          <p:nvSpPr>
-            <p:cNvPr id="9" name="TextBox 8">
-              <a:extLst>
-                <a:ext uri="{FF2B5EF4-FFF2-40B4-BE49-F238E27FC236}">
-                  <a16:creationId xmlns:a16="http://schemas.microsoft.com/office/drawing/2014/main" id="{11A56BBB-EA8F-4627-BC4F-A1FE061FB1FB}"/>
-                </a:ext>
-              </a:extLst>
-            </p:cNvPr>
-            <p:cNvSpPr txBox="1"/>
-            <p:nvPr/>
-          </p:nvSpPr>
-          <p:spPr>
-            <a:xfrm>
-              <a:off x="697266" y="1182361"/>
-              <a:ext cx="11494734" cy="369332"/>
-            </a:xfrm>
-            <a:prstGeom prst="rect">
-              <a:avLst/>
-            </a:prstGeom>
-            <a:noFill/>
-          </p:spPr>
-          <p:txBody>
-            <a:bodyPr wrap="square" rtlCol="0">
-              <a:spAutoFit/>
-            </a:bodyPr>
-            <a:lstStyle/>
-            <a:p>
-              <a:r>
-                <a:rPr lang="en-US" altLang="ko-KR" dirty="0">
-                  <a:latin typeface="나눔스퀘어" panose="020B0600000101010101" pitchFamily="50" charset="-127"/>
-                  <a:ea typeface="나눔스퀘어" panose="020B0600000101010101" pitchFamily="50" charset="-127"/>
-                </a:rPr>
-                <a:t>git clone </a:t>
-              </a:r>
-              <a:r>
-                <a:rPr lang="en-US" altLang="ko-KR" b="1" dirty="0">
-                  <a:latin typeface="나눔스퀘어" panose="020B0600000101010101" pitchFamily="50" charset="-127"/>
-                  <a:ea typeface="나눔스퀘어" panose="020B0600000101010101" pitchFamily="50" charset="-127"/>
-                </a:rPr>
-                <a:t>https://github.com/jhj0905/OHTSim.git</a:t>
-              </a:r>
-            </a:p>
-          </p:txBody>
-        </p:sp>
-        <p:sp>
-          <p:nvSpPr>
-            <p:cNvPr id="10" name="TextBox 9">
-              <a:extLst>
-                <a:ext uri="{FF2B5EF4-FFF2-40B4-BE49-F238E27FC236}">
-                  <a16:creationId xmlns:a16="http://schemas.microsoft.com/office/drawing/2014/main" id="{34A805FD-0F01-4A44-B1B1-B1BE39BFC415}"/>
-                </a:ext>
-              </a:extLst>
-            </p:cNvPr>
-            <p:cNvSpPr txBox="1"/>
-            <p:nvPr/>
-          </p:nvSpPr>
-          <p:spPr>
-            <a:xfrm>
-              <a:off x="697266" y="1755016"/>
-              <a:ext cx="4059461" cy="369332"/>
-            </a:xfrm>
-            <a:prstGeom prst="rect">
-              <a:avLst/>
-            </a:prstGeom>
-            <a:noFill/>
-          </p:spPr>
-          <p:txBody>
-            <a:bodyPr wrap="square" rtlCol="0">
-              <a:spAutoFit/>
-            </a:bodyPr>
-            <a:lstStyle/>
-            <a:p>
-              <a:r>
-                <a:rPr lang="ko-KR" altLang="en-US" dirty="0">
-                  <a:latin typeface="나눔스퀘어" panose="020B0600000101010101" pitchFamily="50" charset="-127"/>
-                  <a:ea typeface="나눔스퀘어" panose="020B0600000101010101" pitchFamily="50" charset="-127"/>
-                </a:rPr>
-                <a:t>로컬 저장소에 원경 저장소를 복제한다</a:t>
-              </a:r>
-              <a:r>
-                <a:rPr lang="en-US" altLang="ko-KR" dirty="0">
-                  <a:latin typeface="나눔스퀘어" panose="020B0600000101010101" pitchFamily="50" charset="-127"/>
-                  <a:ea typeface="나눔스퀘어" panose="020B0600000101010101" pitchFamily="50" charset="-127"/>
-                </a:rPr>
-                <a:t>.</a:t>
-              </a:r>
-            </a:p>
-          </p:txBody>
-        </p:sp>
-      </p:grpSp>
-      <p:grpSp>
-        <p:nvGrpSpPr>
-          <p:cNvPr id="47" name="그룹 46">
-            <a:extLst>
-              <a:ext uri="{FF2B5EF4-FFF2-40B4-BE49-F238E27FC236}">
-                <a16:creationId xmlns:a16="http://schemas.microsoft.com/office/drawing/2014/main" id="{17A89C77-09ED-435C-AB6E-9D31E22219E5}"/>
-              </a:ext>
-            </a:extLst>
-          </p:cNvPr>
-          <p:cNvGrpSpPr/>
-          <p:nvPr/>
-        </p:nvGrpSpPr>
-        <p:grpSpPr>
-          <a:xfrm>
-            <a:off x="221673" y="3144798"/>
-            <a:ext cx="11970327" cy="941987"/>
-            <a:chOff x="221673" y="2471907"/>
-            <a:chExt cx="11970327" cy="941987"/>
-          </a:xfrm>
-        </p:grpSpPr>
-        <p:sp>
-          <p:nvSpPr>
-            <p:cNvPr id="11" name="화살표: 오른쪽 10">
-              <a:extLst>
-                <a:ext uri="{FF2B5EF4-FFF2-40B4-BE49-F238E27FC236}">
-                  <a16:creationId xmlns:a16="http://schemas.microsoft.com/office/drawing/2014/main" id="{3B71615E-5AF5-4C0E-8230-56DC26F95444}"/>
-                </a:ext>
-              </a:extLst>
-            </p:cNvPr>
-            <p:cNvSpPr/>
-            <p:nvPr/>
-          </p:nvSpPr>
-          <p:spPr>
-            <a:xfrm>
-              <a:off x="221673" y="2527219"/>
-              <a:ext cx="346652" cy="267854"/>
-            </a:xfrm>
-            <a:prstGeom prst="rightArrow">
-              <a:avLst/>
-            </a:prstGeom>
-          </p:spPr>
-          <p:style>
-            <a:lnRef idx="2">
-              <a:schemeClr val="accent1">
-                <a:shade val="50000"/>
-              </a:schemeClr>
-            </a:lnRef>
-            <a:fillRef idx="1">
-              <a:schemeClr val="accent1"/>
-            </a:fillRef>
-            <a:effectRef idx="0">
-              <a:schemeClr val="accent1"/>
-            </a:effectRef>
-            <a:fontRef idx="minor">
-              <a:schemeClr val="lt1"/>
-            </a:fontRef>
-          </p:style>
-          <p:txBody>
-            <a:bodyPr rtlCol="0" anchor="ctr"/>
-            <a:lstStyle/>
-            <a:p>
-              <a:pPr algn="ctr"/>
-              <a:endParaRPr lang="ko-KR" altLang="en-US"/>
-            </a:p>
-          </p:txBody>
-        </p:sp>
-        <p:sp>
-          <p:nvSpPr>
-            <p:cNvPr id="12" name="TextBox 11">
-              <a:extLst>
-                <a:ext uri="{FF2B5EF4-FFF2-40B4-BE49-F238E27FC236}">
-                  <a16:creationId xmlns:a16="http://schemas.microsoft.com/office/drawing/2014/main" id="{9B09F319-59D0-4A21-86B3-F50ADE773ED4}"/>
-                </a:ext>
-              </a:extLst>
-            </p:cNvPr>
-            <p:cNvSpPr txBox="1"/>
-            <p:nvPr/>
-          </p:nvSpPr>
-          <p:spPr>
-            <a:xfrm>
-              <a:off x="697266" y="2471907"/>
-              <a:ext cx="11494734" cy="369332"/>
-            </a:xfrm>
-            <a:prstGeom prst="rect">
-              <a:avLst/>
-            </a:prstGeom>
-            <a:noFill/>
-          </p:spPr>
-          <p:txBody>
-            <a:bodyPr wrap="square" rtlCol="0">
-              <a:spAutoFit/>
-            </a:bodyPr>
-            <a:lstStyle/>
-            <a:p>
-              <a:r>
-                <a:rPr lang="en-US" altLang="ko-KR" dirty="0">
-                  <a:latin typeface="나눔스퀘어" panose="020B0600000101010101" pitchFamily="50" charset="-127"/>
-                  <a:ea typeface="나눔스퀘어" panose="020B0600000101010101" pitchFamily="50" charset="-127"/>
-                </a:rPr>
-                <a:t>git status</a:t>
-              </a:r>
-              <a:endParaRPr lang="en-US" altLang="ko-KR" b="1" dirty="0">
-                <a:latin typeface="나눔스퀘어" panose="020B0600000101010101" pitchFamily="50" charset="-127"/>
-                <a:ea typeface="나눔스퀘어" panose="020B0600000101010101" pitchFamily="50" charset="-127"/>
-              </a:endParaRPr>
-            </a:p>
-          </p:txBody>
-        </p:sp>
-        <p:sp>
-          <p:nvSpPr>
-            <p:cNvPr id="13" name="TextBox 12">
-              <a:extLst>
-                <a:ext uri="{FF2B5EF4-FFF2-40B4-BE49-F238E27FC236}">
-                  <a16:creationId xmlns:a16="http://schemas.microsoft.com/office/drawing/2014/main" id="{FA9A1B68-54F1-435A-A36D-E25550EFDE62}"/>
-                </a:ext>
-              </a:extLst>
-            </p:cNvPr>
-            <p:cNvSpPr txBox="1"/>
-            <p:nvPr/>
-          </p:nvSpPr>
-          <p:spPr>
-            <a:xfrm>
-              <a:off x="697266" y="3044562"/>
-              <a:ext cx="10543389" cy="369332"/>
-            </a:xfrm>
-            <a:prstGeom prst="rect">
-              <a:avLst/>
-            </a:prstGeom>
-            <a:noFill/>
-          </p:spPr>
-          <p:txBody>
-            <a:bodyPr wrap="square" rtlCol="0">
-              <a:spAutoFit/>
-            </a:bodyPr>
-            <a:lstStyle/>
-            <a:p>
-              <a:r>
-                <a:rPr lang="ko-KR" altLang="en-US" dirty="0">
-                  <a:latin typeface="나눔스퀘어" panose="020B0600000101010101" pitchFamily="50" charset="-127"/>
-                  <a:ea typeface="나눔스퀘어" panose="020B0600000101010101" pitchFamily="50" charset="-127"/>
-                </a:rPr>
-                <a:t>현재 </a:t>
-              </a:r>
-              <a:r>
-                <a:rPr lang="en-US" altLang="ko-KR" dirty="0">
-                  <a:latin typeface="나눔스퀘어" panose="020B0600000101010101" pitchFamily="50" charset="-127"/>
-                  <a:ea typeface="나눔스퀘어" panose="020B0600000101010101" pitchFamily="50" charset="-127"/>
-                </a:rPr>
-                <a:t>git </a:t>
-              </a:r>
-              <a:r>
-                <a:rPr lang="ko-KR" altLang="en-US" dirty="0">
-                  <a:latin typeface="나눔스퀘어" panose="020B0600000101010101" pitchFamily="50" charset="-127"/>
-                  <a:ea typeface="나눔스퀘어" panose="020B0600000101010101" pitchFamily="50" charset="-127"/>
-                </a:rPr>
-                <a:t>상태 출력</a:t>
-              </a:r>
-              <a:r>
-                <a:rPr lang="en-US" altLang="ko-KR" dirty="0">
-                  <a:latin typeface="나눔스퀘어" panose="020B0600000101010101" pitchFamily="50" charset="-127"/>
-                  <a:ea typeface="나눔스퀘어" panose="020B0600000101010101" pitchFamily="50" charset="-127"/>
-                </a:rPr>
-                <a:t>(</a:t>
-              </a:r>
-              <a:r>
-                <a:rPr lang="ko-KR" altLang="en-US" dirty="0">
-                  <a:latin typeface="나눔스퀘어" panose="020B0600000101010101" pitchFamily="50" charset="-127"/>
-                  <a:ea typeface="나눔스퀘어" panose="020B0600000101010101" pitchFamily="50" charset="-127"/>
-                </a:rPr>
-                <a:t>작업중인 </a:t>
-              </a:r>
-              <a:r>
-                <a:rPr lang="en-US" altLang="ko-KR" dirty="0">
-                  <a:latin typeface="나눔스퀘어" panose="020B0600000101010101" pitchFamily="50" charset="-127"/>
-                  <a:ea typeface="나눔스퀘어" panose="020B0600000101010101" pitchFamily="50" charset="-127"/>
-                </a:rPr>
-                <a:t>branch</a:t>
-              </a:r>
-              <a:r>
-                <a:rPr lang="ko-KR" altLang="en-US" dirty="0">
-                  <a:latin typeface="나눔스퀘어" panose="020B0600000101010101" pitchFamily="50" charset="-127"/>
-                  <a:ea typeface="나눔스퀘어" panose="020B0600000101010101" pitchFamily="50" charset="-127"/>
-                </a:rPr>
-                <a:t> 이름</a:t>
-              </a:r>
-              <a:r>
-                <a:rPr lang="en-US" altLang="ko-KR" dirty="0">
-                  <a:latin typeface="나눔스퀘어" panose="020B0600000101010101" pitchFamily="50" charset="-127"/>
-                  <a:ea typeface="나눔스퀘어" panose="020B0600000101010101" pitchFamily="50" charset="-127"/>
-                </a:rPr>
-                <a:t>, </a:t>
-              </a:r>
-              <a:r>
-                <a:rPr lang="ko-KR" altLang="en-US" dirty="0">
-                  <a:latin typeface="나눔스퀘어" panose="020B0600000101010101" pitchFamily="50" charset="-127"/>
-                  <a:ea typeface="나눔스퀘어" panose="020B0600000101010101" pitchFamily="50" charset="-127"/>
-                </a:rPr>
-                <a:t>로컬저장소와 원격저장소의 파일 비교</a:t>
-              </a:r>
-              <a:r>
-                <a:rPr lang="en-US" altLang="ko-KR" dirty="0">
-                  <a:latin typeface="나눔스퀘어" panose="020B0600000101010101" pitchFamily="50" charset="-127"/>
-                  <a:ea typeface="나눔스퀘어" panose="020B0600000101010101" pitchFamily="50" charset="-127"/>
-                </a:rPr>
-                <a:t>)</a:t>
-              </a:r>
-            </a:p>
-          </p:txBody>
-        </p:sp>
-      </p:grpSp>
-      <p:grpSp>
-        <p:nvGrpSpPr>
-          <p:cNvPr id="38" name="그룹 37">
-            <a:extLst>
-              <a:ext uri="{FF2B5EF4-FFF2-40B4-BE49-F238E27FC236}">
-                <a16:creationId xmlns:a16="http://schemas.microsoft.com/office/drawing/2014/main" id="{E1C18ADE-596D-4F13-A7F6-4668A294A65F}"/>
-              </a:ext>
-            </a:extLst>
-          </p:cNvPr>
-          <p:cNvGrpSpPr/>
-          <p:nvPr/>
-        </p:nvGrpSpPr>
-        <p:grpSpPr>
-          <a:xfrm>
-            <a:off x="221673" y="4691133"/>
-            <a:ext cx="4081879" cy="369332"/>
-            <a:chOff x="221673" y="3647235"/>
-            <a:chExt cx="4081879" cy="369332"/>
-          </a:xfrm>
-        </p:grpSpPr>
-        <p:sp>
-          <p:nvSpPr>
-            <p:cNvPr id="14" name="화살표: 오른쪽 13">
-              <a:extLst>
-                <a:ext uri="{FF2B5EF4-FFF2-40B4-BE49-F238E27FC236}">
-                  <a16:creationId xmlns:a16="http://schemas.microsoft.com/office/drawing/2014/main" id="{6EAC3683-01CA-4274-955E-4D40C7325F61}"/>
-                </a:ext>
-              </a:extLst>
-            </p:cNvPr>
-            <p:cNvSpPr/>
-            <p:nvPr/>
-          </p:nvSpPr>
-          <p:spPr>
-            <a:xfrm>
-              <a:off x="221673" y="3702547"/>
-              <a:ext cx="346652" cy="267854"/>
-            </a:xfrm>
-            <a:prstGeom prst="rightArrow">
-              <a:avLst/>
-            </a:prstGeom>
-          </p:spPr>
-          <p:style>
-            <a:lnRef idx="2">
-              <a:schemeClr val="accent1">
-                <a:shade val="50000"/>
-              </a:schemeClr>
-            </a:lnRef>
-            <a:fillRef idx="1">
-              <a:schemeClr val="accent1"/>
-            </a:fillRef>
-            <a:effectRef idx="0">
-              <a:schemeClr val="accent1"/>
-            </a:effectRef>
-            <a:fontRef idx="minor">
-              <a:schemeClr val="lt1"/>
-            </a:fontRef>
-          </p:style>
-          <p:txBody>
-            <a:bodyPr rtlCol="0" anchor="ctr"/>
-            <a:lstStyle/>
-            <a:p>
-              <a:pPr algn="ctr"/>
-              <a:endParaRPr lang="ko-KR" altLang="en-US"/>
-            </a:p>
-          </p:txBody>
-        </p:sp>
-        <p:sp>
-          <p:nvSpPr>
-            <p:cNvPr id="15" name="TextBox 14">
-              <a:extLst>
-                <a:ext uri="{FF2B5EF4-FFF2-40B4-BE49-F238E27FC236}">
-                  <a16:creationId xmlns:a16="http://schemas.microsoft.com/office/drawing/2014/main" id="{4FB36C86-E7B0-4C51-93C4-A7C47E76D1B3}"/>
-                </a:ext>
-              </a:extLst>
-            </p:cNvPr>
-            <p:cNvSpPr txBox="1"/>
-            <p:nvPr/>
-          </p:nvSpPr>
-          <p:spPr>
-            <a:xfrm>
-              <a:off x="697266" y="3647235"/>
-              <a:ext cx="3606286" cy="369332"/>
-            </a:xfrm>
-            <a:prstGeom prst="rect">
-              <a:avLst/>
-            </a:prstGeom>
-            <a:noFill/>
-          </p:spPr>
-          <p:txBody>
-            <a:bodyPr wrap="square" rtlCol="0">
-              <a:spAutoFit/>
-            </a:bodyPr>
-            <a:lstStyle/>
-            <a:p>
-              <a:r>
-                <a:rPr lang="en-US" altLang="ko-KR" dirty="0">
-                  <a:latin typeface="나눔스퀘어" panose="020B0600000101010101" pitchFamily="50" charset="-127"/>
-                  <a:ea typeface="나눔스퀘어" panose="020B0600000101010101" pitchFamily="50" charset="-127"/>
-                </a:rPr>
-                <a:t>git add * / git add &lt;</a:t>
-              </a:r>
-              <a:r>
-                <a:rPr lang="ko-KR" altLang="en-US" dirty="0">
-                  <a:latin typeface="나눔스퀘어" panose="020B0600000101010101" pitchFamily="50" charset="-127"/>
-                  <a:ea typeface="나눔스퀘어" panose="020B0600000101010101" pitchFamily="50" charset="-127"/>
-                </a:rPr>
-                <a:t>파일명</a:t>
-              </a:r>
-              <a:r>
-                <a:rPr lang="en-US" altLang="ko-KR" dirty="0">
-                  <a:latin typeface="나눔스퀘어" panose="020B0600000101010101" pitchFamily="50" charset="-127"/>
-                  <a:ea typeface="나눔스퀘어" panose="020B0600000101010101" pitchFamily="50" charset="-127"/>
-                </a:rPr>
-                <a:t>&gt;</a:t>
-              </a:r>
-              <a:endParaRPr lang="en-US" altLang="ko-KR" b="1" dirty="0">
-                <a:latin typeface="나눔스퀘어" panose="020B0600000101010101" pitchFamily="50" charset="-127"/>
-                <a:ea typeface="나눔스퀘어" panose="020B0600000101010101" pitchFamily="50" charset="-127"/>
-              </a:endParaRPr>
-            </a:p>
-          </p:txBody>
-        </p:sp>
-      </p:grpSp>
-      <p:grpSp>
-        <p:nvGrpSpPr>
-          <p:cNvPr id="8" name="그룹 7">
-            <a:extLst>
-              <a:ext uri="{FF2B5EF4-FFF2-40B4-BE49-F238E27FC236}">
-                <a16:creationId xmlns:a16="http://schemas.microsoft.com/office/drawing/2014/main" id="{1361153F-ABE0-4547-860A-F19A5B216DDE}"/>
-              </a:ext>
-            </a:extLst>
-          </p:cNvPr>
-          <p:cNvGrpSpPr/>
-          <p:nvPr/>
-        </p:nvGrpSpPr>
-        <p:grpSpPr>
-          <a:xfrm>
-            <a:off x="10057976" y="4403611"/>
-            <a:ext cx="1454805" cy="2433431"/>
-            <a:chOff x="10057976" y="3775406"/>
-            <a:chExt cx="1454805" cy="2433431"/>
-          </a:xfrm>
-        </p:grpSpPr>
-        <p:sp>
-          <p:nvSpPr>
-            <p:cNvPr id="20" name="TextBox 19">
-              <a:extLst>
-                <a:ext uri="{FF2B5EF4-FFF2-40B4-BE49-F238E27FC236}">
-                  <a16:creationId xmlns:a16="http://schemas.microsoft.com/office/drawing/2014/main" id="{3841100A-5202-4D78-A48F-75209CA6E3AF}"/>
-                </a:ext>
-              </a:extLst>
-            </p:cNvPr>
-            <p:cNvSpPr txBox="1"/>
-            <p:nvPr/>
-          </p:nvSpPr>
-          <p:spPr>
-            <a:xfrm>
-              <a:off x="10057976" y="5839505"/>
-              <a:ext cx="1454805" cy="369332"/>
-            </a:xfrm>
-            <a:prstGeom prst="rect">
-              <a:avLst/>
-            </a:prstGeom>
-            <a:noFill/>
-          </p:spPr>
-          <p:txBody>
-            <a:bodyPr wrap="square" rtlCol="0">
-              <a:spAutoFit/>
-            </a:bodyPr>
-            <a:lstStyle/>
-            <a:p>
-              <a:pPr algn="ctr"/>
-              <a:r>
-                <a:rPr lang="ko-KR" altLang="en-US">
-                  <a:latin typeface="나눔스퀘어" panose="020B0600000101010101" pitchFamily="50" charset="-127"/>
-                  <a:ea typeface="나눔스퀘어" panose="020B0600000101010101" pitchFamily="50" charset="-127"/>
-                </a:rPr>
-                <a:t>원격저장소</a:t>
-              </a:r>
-              <a:endParaRPr lang="en-US" altLang="ko-KR" dirty="0">
-                <a:latin typeface="나눔스퀘어" panose="020B0600000101010101" pitchFamily="50" charset="-127"/>
-                <a:ea typeface="나눔스퀘어" panose="020B0600000101010101" pitchFamily="50" charset="-127"/>
-              </a:endParaRPr>
-            </a:p>
-          </p:txBody>
-        </p:sp>
-        <p:sp>
-          <p:nvSpPr>
-            <p:cNvPr id="22" name="직사각형 21">
-              <a:extLst>
-                <a:ext uri="{FF2B5EF4-FFF2-40B4-BE49-F238E27FC236}">
-                  <a16:creationId xmlns:a16="http://schemas.microsoft.com/office/drawing/2014/main" id="{C10B931D-80B1-47D4-9C06-6FA2839019A6}"/>
-                </a:ext>
-              </a:extLst>
-            </p:cNvPr>
-            <p:cNvSpPr/>
-            <p:nvPr/>
-          </p:nvSpPr>
-          <p:spPr>
-            <a:xfrm>
-              <a:off x="10194039" y="3775406"/>
-              <a:ext cx="1182679" cy="1766412"/>
-            </a:xfrm>
-            <a:prstGeom prst="rect">
-              <a:avLst/>
-            </a:prstGeom>
-            <a:noFill/>
-          </p:spPr>
-          <p:style>
-            <a:lnRef idx="2">
-              <a:schemeClr val="accent1">
-                <a:shade val="50000"/>
-              </a:schemeClr>
-            </a:lnRef>
-            <a:fillRef idx="1">
-              <a:schemeClr val="accent1"/>
-            </a:fillRef>
-            <a:effectRef idx="0">
-              <a:schemeClr val="accent1"/>
-            </a:effectRef>
-            <a:fontRef idx="minor">
-              <a:schemeClr val="lt1"/>
-            </a:fontRef>
-          </p:style>
-          <p:txBody>
-            <a:bodyPr rtlCol="0" anchor="ctr"/>
-            <a:lstStyle/>
-            <a:p>
-              <a:pPr algn="ctr"/>
-              <a:endParaRPr lang="ko-KR" altLang="en-US"/>
-            </a:p>
-          </p:txBody>
-        </p:sp>
-      </p:grpSp>
-      <p:grpSp>
-        <p:nvGrpSpPr>
-          <p:cNvPr id="5" name="그룹 4">
-            <a:extLst>
-              <a:ext uri="{FF2B5EF4-FFF2-40B4-BE49-F238E27FC236}">
-                <a16:creationId xmlns:a16="http://schemas.microsoft.com/office/drawing/2014/main" id="{AB57133B-0AC8-45ED-8064-4EF5E74E3A42}"/>
-              </a:ext>
-            </a:extLst>
-          </p:cNvPr>
-          <p:cNvGrpSpPr/>
-          <p:nvPr/>
-        </p:nvGrpSpPr>
-        <p:grpSpPr>
-          <a:xfrm>
-            <a:off x="3883813" y="4403611"/>
-            <a:ext cx="1454805" cy="2433431"/>
-            <a:chOff x="3883813" y="3775406"/>
-            <a:chExt cx="1454805" cy="2433431"/>
-          </a:xfrm>
-        </p:grpSpPr>
-        <p:sp>
-          <p:nvSpPr>
-            <p:cNvPr id="18" name="TextBox 17">
-              <a:extLst>
-                <a:ext uri="{FF2B5EF4-FFF2-40B4-BE49-F238E27FC236}">
-                  <a16:creationId xmlns:a16="http://schemas.microsoft.com/office/drawing/2014/main" id="{1CED3338-17D5-4A82-96D8-19D4EEAAF961}"/>
-                </a:ext>
-              </a:extLst>
-            </p:cNvPr>
-            <p:cNvSpPr txBox="1"/>
-            <p:nvPr/>
-          </p:nvSpPr>
-          <p:spPr>
-            <a:xfrm>
-              <a:off x="3883813" y="5839505"/>
-              <a:ext cx="1454805" cy="369332"/>
-            </a:xfrm>
-            <a:prstGeom prst="rect">
-              <a:avLst/>
-            </a:prstGeom>
-            <a:noFill/>
-          </p:spPr>
-          <p:txBody>
-            <a:bodyPr wrap="square" rtlCol="0">
-              <a:spAutoFit/>
-            </a:bodyPr>
-            <a:lstStyle/>
-            <a:p>
-              <a:pPr algn="ctr"/>
-              <a:r>
-                <a:rPr lang="ko-KR" altLang="en-US">
-                  <a:latin typeface="나눔스퀘어" panose="020B0600000101010101" pitchFamily="50" charset="-127"/>
-                  <a:ea typeface="나눔스퀘어" panose="020B0600000101010101" pitchFamily="50" charset="-127"/>
-                </a:rPr>
-                <a:t>로컬저장소</a:t>
-              </a:r>
-              <a:endParaRPr lang="en-US" altLang="ko-KR" dirty="0">
-                <a:latin typeface="나눔스퀘어" panose="020B0600000101010101" pitchFamily="50" charset="-127"/>
-                <a:ea typeface="나눔스퀘어" panose="020B0600000101010101" pitchFamily="50" charset="-127"/>
-              </a:endParaRPr>
-            </a:p>
-          </p:txBody>
-        </p:sp>
-        <p:sp>
-          <p:nvSpPr>
-            <p:cNvPr id="23" name="직사각형 22">
-              <a:extLst>
-                <a:ext uri="{FF2B5EF4-FFF2-40B4-BE49-F238E27FC236}">
-                  <a16:creationId xmlns:a16="http://schemas.microsoft.com/office/drawing/2014/main" id="{08BF0AB4-4953-4427-A96C-822C61A95448}"/>
-                </a:ext>
-              </a:extLst>
-            </p:cNvPr>
-            <p:cNvSpPr/>
-            <p:nvPr/>
-          </p:nvSpPr>
-          <p:spPr>
-            <a:xfrm>
-              <a:off x="4019876" y="3775406"/>
-              <a:ext cx="1182679" cy="1766412"/>
-            </a:xfrm>
-            <a:prstGeom prst="rect">
-              <a:avLst/>
-            </a:prstGeom>
-            <a:noFill/>
-          </p:spPr>
-          <p:style>
-            <a:lnRef idx="2">
-              <a:schemeClr val="accent1">
-                <a:shade val="50000"/>
-              </a:schemeClr>
-            </a:lnRef>
-            <a:fillRef idx="1">
-              <a:schemeClr val="accent1"/>
-            </a:fillRef>
-            <a:effectRef idx="0">
-              <a:schemeClr val="accent1"/>
-            </a:effectRef>
-            <a:fontRef idx="minor">
-              <a:schemeClr val="lt1"/>
-            </a:fontRef>
-          </p:style>
-          <p:txBody>
-            <a:bodyPr rtlCol="0" anchor="ctr"/>
-            <a:lstStyle/>
-            <a:p>
-              <a:pPr algn="ctr"/>
-              <a:endParaRPr lang="ko-KR" altLang="en-US"/>
-            </a:p>
-          </p:txBody>
-        </p:sp>
-      </p:grpSp>
-      <p:grpSp>
-        <p:nvGrpSpPr>
-          <p:cNvPr id="6" name="그룹 5">
-            <a:extLst>
-              <a:ext uri="{FF2B5EF4-FFF2-40B4-BE49-F238E27FC236}">
-                <a16:creationId xmlns:a16="http://schemas.microsoft.com/office/drawing/2014/main" id="{823131AD-E7CA-40E0-BC97-43A355287D99}"/>
-              </a:ext>
-            </a:extLst>
-          </p:cNvPr>
-          <p:cNvGrpSpPr/>
-          <p:nvPr/>
-        </p:nvGrpSpPr>
-        <p:grpSpPr>
-          <a:xfrm>
-            <a:off x="6032576" y="4403611"/>
-            <a:ext cx="1454805" cy="2433431"/>
-            <a:chOff x="6279233" y="3775406"/>
-            <a:chExt cx="1454805" cy="2433431"/>
-          </a:xfrm>
-        </p:grpSpPr>
-        <p:sp>
-          <p:nvSpPr>
-            <p:cNvPr id="19" name="TextBox 18">
-              <a:extLst>
-                <a:ext uri="{FF2B5EF4-FFF2-40B4-BE49-F238E27FC236}">
-                  <a16:creationId xmlns:a16="http://schemas.microsoft.com/office/drawing/2014/main" id="{5355DE03-7AF0-4EBB-80B6-99F43D1E08E4}"/>
-                </a:ext>
-              </a:extLst>
-            </p:cNvPr>
-            <p:cNvSpPr txBox="1"/>
-            <p:nvPr/>
-          </p:nvSpPr>
-          <p:spPr>
-            <a:xfrm>
-              <a:off x="6279233" y="5839505"/>
-              <a:ext cx="1454805" cy="369332"/>
-            </a:xfrm>
-            <a:prstGeom prst="rect">
-              <a:avLst/>
-            </a:prstGeom>
-            <a:noFill/>
-          </p:spPr>
-          <p:txBody>
-            <a:bodyPr wrap="square" rtlCol="0">
-              <a:spAutoFit/>
-            </a:bodyPr>
-            <a:lstStyle/>
-            <a:p>
-              <a:pPr algn="ctr"/>
-              <a:r>
-                <a:rPr lang="ko-KR" altLang="en-US">
-                  <a:latin typeface="나눔스퀘어" panose="020B0600000101010101" pitchFamily="50" charset="-127"/>
-                  <a:ea typeface="나눔스퀘어" panose="020B0600000101010101" pitchFamily="50" charset="-127"/>
-                </a:rPr>
-                <a:t>스테이지</a:t>
-              </a:r>
-              <a:endParaRPr lang="en-US" altLang="ko-KR" dirty="0">
-                <a:latin typeface="나눔스퀘어" panose="020B0600000101010101" pitchFamily="50" charset="-127"/>
-                <a:ea typeface="나눔스퀘어" panose="020B0600000101010101" pitchFamily="50" charset="-127"/>
-              </a:endParaRPr>
-            </a:p>
-          </p:txBody>
-        </p:sp>
-        <p:sp>
-          <p:nvSpPr>
-            <p:cNvPr id="24" name="직사각형 23">
-              <a:extLst>
-                <a:ext uri="{FF2B5EF4-FFF2-40B4-BE49-F238E27FC236}">
-                  <a16:creationId xmlns:a16="http://schemas.microsoft.com/office/drawing/2014/main" id="{79A87CCD-61D6-44EC-99A3-0A124A5D6D18}"/>
-                </a:ext>
-              </a:extLst>
-            </p:cNvPr>
-            <p:cNvSpPr/>
-            <p:nvPr/>
-          </p:nvSpPr>
-          <p:spPr>
-            <a:xfrm>
-              <a:off x="6415296" y="3775406"/>
-              <a:ext cx="1182679" cy="1766412"/>
-            </a:xfrm>
-            <a:prstGeom prst="rect">
-              <a:avLst/>
-            </a:prstGeom>
-            <a:noFill/>
-          </p:spPr>
-          <p:style>
-            <a:lnRef idx="2">
-              <a:schemeClr val="accent1">
-                <a:shade val="50000"/>
-              </a:schemeClr>
-            </a:lnRef>
-            <a:fillRef idx="1">
-              <a:schemeClr val="accent1"/>
-            </a:fillRef>
-            <a:effectRef idx="0">
-              <a:schemeClr val="accent1"/>
-            </a:effectRef>
-            <a:fontRef idx="minor">
-              <a:schemeClr val="lt1"/>
-            </a:fontRef>
-          </p:style>
-          <p:txBody>
-            <a:bodyPr rtlCol="0" anchor="ctr"/>
-            <a:lstStyle/>
-            <a:p>
-              <a:pPr algn="ctr"/>
-              <a:endParaRPr lang="ko-KR" altLang="en-US"/>
-            </a:p>
-          </p:txBody>
-        </p:sp>
-      </p:grpSp>
-      <p:grpSp>
-        <p:nvGrpSpPr>
-          <p:cNvPr id="7" name="그룹 6">
-            <a:extLst>
-              <a:ext uri="{FF2B5EF4-FFF2-40B4-BE49-F238E27FC236}">
-                <a16:creationId xmlns:a16="http://schemas.microsoft.com/office/drawing/2014/main" id="{ED90AE3B-0716-4F74-A47E-DEEDE4F578EC}"/>
-              </a:ext>
-            </a:extLst>
-          </p:cNvPr>
-          <p:cNvGrpSpPr/>
-          <p:nvPr/>
-        </p:nvGrpSpPr>
-        <p:grpSpPr>
-          <a:xfrm>
-            <a:off x="8181339" y="4403611"/>
-            <a:ext cx="1182679" cy="2433431"/>
-            <a:chOff x="7915866" y="3775406"/>
-            <a:chExt cx="1182679" cy="2433431"/>
-          </a:xfrm>
-        </p:grpSpPr>
-        <p:sp>
-          <p:nvSpPr>
-            <p:cNvPr id="25" name="직사각형 24">
-              <a:extLst>
-                <a:ext uri="{FF2B5EF4-FFF2-40B4-BE49-F238E27FC236}">
-                  <a16:creationId xmlns:a16="http://schemas.microsoft.com/office/drawing/2014/main" id="{394775FF-2900-4542-9C33-084E38C474F8}"/>
-                </a:ext>
-              </a:extLst>
-            </p:cNvPr>
-            <p:cNvSpPr/>
-            <p:nvPr/>
-          </p:nvSpPr>
-          <p:spPr>
-            <a:xfrm>
-              <a:off x="7915866" y="3775406"/>
-              <a:ext cx="1182679" cy="1766412"/>
-            </a:xfrm>
-            <a:prstGeom prst="rect">
-              <a:avLst/>
-            </a:prstGeom>
-            <a:noFill/>
-          </p:spPr>
-          <p:style>
-            <a:lnRef idx="2">
-              <a:schemeClr val="accent1">
-                <a:shade val="50000"/>
-              </a:schemeClr>
-            </a:lnRef>
-            <a:fillRef idx="1">
-              <a:schemeClr val="accent1"/>
-            </a:fillRef>
-            <a:effectRef idx="0">
-              <a:schemeClr val="accent1"/>
-            </a:effectRef>
-            <a:fontRef idx="minor">
-              <a:schemeClr val="lt1"/>
-            </a:fontRef>
-          </p:style>
-          <p:txBody>
-            <a:bodyPr rtlCol="0" anchor="ctr"/>
-            <a:lstStyle/>
-            <a:p>
-              <a:pPr algn="ctr"/>
-              <a:endParaRPr lang="ko-KR" altLang="en-US"/>
-            </a:p>
-          </p:txBody>
-        </p:sp>
-        <p:sp>
-          <p:nvSpPr>
-            <p:cNvPr id="26" name="TextBox 25">
-              <a:extLst>
-                <a:ext uri="{FF2B5EF4-FFF2-40B4-BE49-F238E27FC236}">
-                  <a16:creationId xmlns:a16="http://schemas.microsoft.com/office/drawing/2014/main" id="{8B04DB2E-2242-4A67-9A1B-7C570137DA1F}"/>
-                </a:ext>
-              </a:extLst>
-            </p:cNvPr>
-            <p:cNvSpPr txBox="1"/>
-            <p:nvPr/>
-          </p:nvSpPr>
-          <p:spPr>
-            <a:xfrm>
-              <a:off x="8103305" y="5839505"/>
-              <a:ext cx="807801" cy="369332"/>
-            </a:xfrm>
-            <a:prstGeom prst="rect">
-              <a:avLst/>
-            </a:prstGeom>
-            <a:noFill/>
-          </p:spPr>
-          <p:txBody>
-            <a:bodyPr wrap="square" rtlCol="0">
-              <a:spAutoFit/>
-            </a:bodyPr>
-            <a:lstStyle/>
-            <a:p>
-              <a:pPr algn="ctr"/>
-              <a:r>
-                <a:rPr lang="ko-KR" altLang="en-US" dirty="0">
-                  <a:latin typeface="나눔스퀘어" panose="020B0600000101010101" pitchFamily="50" charset="-127"/>
-                  <a:ea typeface="나눔스퀘어" panose="020B0600000101010101" pitchFamily="50" charset="-127"/>
-                </a:rPr>
-                <a:t>헤드</a:t>
-              </a:r>
-              <a:endParaRPr lang="en-US" altLang="ko-KR" dirty="0">
-                <a:latin typeface="나눔스퀘어" panose="020B0600000101010101" pitchFamily="50" charset="-127"/>
-                <a:ea typeface="나눔스퀘어" panose="020B0600000101010101" pitchFamily="50" charset="-127"/>
-              </a:endParaRPr>
-            </a:p>
-          </p:txBody>
-        </p:sp>
-      </p:grpSp>
-      <p:sp>
-        <p:nvSpPr>
-          <p:cNvPr id="21" name="화살표: 오른쪽 20">
-            <a:extLst>
-              <a:ext uri="{FF2B5EF4-FFF2-40B4-BE49-F238E27FC236}">
-                <a16:creationId xmlns:a16="http://schemas.microsoft.com/office/drawing/2014/main" id="{3507B122-81BA-43AE-A4EA-5B06B461D82F}"/>
-              </a:ext>
-            </a:extLst>
-          </p:cNvPr>
-          <p:cNvSpPr/>
-          <p:nvPr/>
-        </p:nvSpPr>
-        <p:spPr>
-          <a:xfrm>
-            <a:off x="9517616" y="5102151"/>
-            <a:ext cx="461818" cy="369332"/>
-          </a:xfrm>
-          <a:prstGeom prst="rightArrow">
-            <a:avLst/>
-          </a:prstGeom>
-        </p:spPr>
-        <p:style>
-          <a:lnRef idx="2">
-            <a:schemeClr val="accent1">
-              <a:shade val="50000"/>
-            </a:schemeClr>
-          </a:lnRef>
-          <a:fillRef idx="1">
-            <a:schemeClr val="accent1"/>
-          </a:fillRef>
-          <a:effectRef idx="0">
-            <a:schemeClr val="accent1"/>
-          </a:effectRef>
-          <a:fontRef idx="minor">
-            <a:schemeClr val="lt1"/>
-          </a:fontRef>
-        </p:style>
-        <p:txBody>
-          <a:bodyPr rtlCol="0" anchor="ctr"/>
-          <a:lstStyle/>
-          <a:p>
-            <a:pPr algn="ctr"/>
-            <a:endParaRPr lang="ko-KR" altLang="en-US"/>
-          </a:p>
-        </p:txBody>
-      </p:sp>
-      <p:sp>
-        <p:nvSpPr>
-          <p:cNvPr id="27" name="화살표: 오른쪽 26">
-            <a:extLst>
-              <a:ext uri="{FF2B5EF4-FFF2-40B4-BE49-F238E27FC236}">
-                <a16:creationId xmlns:a16="http://schemas.microsoft.com/office/drawing/2014/main" id="{799BB7CD-3AE8-4518-87C2-BFDBE7D7B0A3}"/>
-              </a:ext>
-            </a:extLst>
-          </p:cNvPr>
-          <p:cNvSpPr/>
-          <p:nvPr/>
-        </p:nvSpPr>
-        <p:spPr>
-          <a:xfrm>
-            <a:off x="7565923" y="5102151"/>
-            <a:ext cx="461818" cy="369332"/>
-          </a:xfrm>
-          <a:prstGeom prst="rightArrow">
-            <a:avLst/>
-          </a:prstGeom>
-        </p:spPr>
-        <p:style>
-          <a:lnRef idx="2">
-            <a:schemeClr val="accent1">
-              <a:shade val="50000"/>
-            </a:schemeClr>
-          </a:lnRef>
-          <a:fillRef idx="1">
-            <a:schemeClr val="accent1"/>
-          </a:fillRef>
-          <a:effectRef idx="0">
-            <a:schemeClr val="accent1"/>
-          </a:effectRef>
-          <a:fontRef idx="minor">
-            <a:schemeClr val="lt1"/>
-          </a:fontRef>
-        </p:style>
-        <p:txBody>
-          <a:bodyPr rtlCol="0" anchor="ctr"/>
-          <a:lstStyle/>
-          <a:p>
-            <a:pPr algn="ctr"/>
-            <a:endParaRPr lang="ko-KR" altLang="en-US"/>
-          </a:p>
-        </p:txBody>
-      </p:sp>
-      <p:sp>
-        <p:nvSpPr>
-          <p:cNvPr id="28" name="화살표: 오른쪽 27">
-            <a:extLst>
-              <a:ext uri="{FF2B5EF4-FFF2-40B4-BE49-F238E27FC236}">
-                <a16:creationId xmlns:a16="http://schemas.microsoft.com/office/drawing/2014/main" id="{F4502359-C287-4253-86E8-D12E9455729A}"/>
-              </a:ext>
-            </a:extLst>
-          </p:cNvPr>
-          <p:cNvSpPr/>
-          <p:nvPr/>
-        </p:nvSpPr>
-        <p:spPr>
-          <a:xfrm>
-            <a:off x="5501013" y="5102151"/>
-            <a:ext cx="461818" cy="369332"/>
-          </a:xfrm>
-          <a:prstGeom prst="rightArrow">
-            <a:avLst/>
-          </a:prstGeom>
-        </p:spPr>
-        <p:style>
-          <a:lnRef idx="2">
-            <a:schemeClr val="accent1">
-              <a:shade val="50000"/>
-            </a:schemeClr>
-          </a:lnRef>
-          <a:fillRef idx="1">
-            <a:schemeClr val="accent1"/>
-          </a:fillRef>
-          <a:effectRef idx="0">
-            <a:schemeClr val="accent1"/>
-          </a:effectRef>
-          <a:fontRef idx="minor">
-            <a:schemeClr val="lt1"/>
-          </a:fontRef>
-        </p:style>
-        <p:txBody>
-          <a:bodyPr rtlCol="0" anchor="ctr"/>
-          <a:lstStyle/>
-          <a:p>
-            <a:pPr algn="ctr"/>
-            <a:endParaRPr lang="ko-KR" altLang="en-US"/>
-          </a:p>
-        </p:txBody>
-      </p:sp>
-      <p:sp>
-        <p:nvSpPr>
-          <p:cNvPr id="30" name="TextBox 29">
-            <a:extLst>
-              <a:ext uri="{FF2B5EF4-FFF2-40B4-BE49-F238E27FC236}">
-                <a16:creationId xmlns:a16="http://schemas.microsoft.com/office/drawing/2014/main" id="{30735F28-EF46-43D8-973F-BB16507D688A}"/>
-              </a:ext>
-            </a:extLst>
-          </p:cNvPr>
-          <p:cNvSpPr txBox="1"/>
-          <p:nvPr/>
-        </p:nvSpPr>
-        <p:spPr>
-          <a:xfrm>
-            <a:off x="5338618" y="4732819"/>
-            <a:ext cx="693958" cy="369332"/>
-          </a:xfrm>
-          <a:prstGeom prst="rect">
-            <a:avLst/>
-          </a:prstGeom>
-          <a:noFill/>
-        </p:spPr>
-        <p:txBody>
-          <a:bodyPr wrap="square" rtlCol="0">
-            <a:spAutoFit/>
-          </a:bodyPr>
-          <a:lstStyle/>
-          <a:p>
-            <a:pPr algn="ctr"/>
-            <a:r>
-              <a:rPr lang="en-US" altLang="ko-KR" dirty="0">
-                <a:latin typeface="나눔스퀘어" panose="020B0600000101010101" pitchFamily="50" charset="-127"/>
-                <a:ea typeface="나눔스퀘어" panose="020B0600000101010101" pitchFamily="50" charset="-127"/>
-              </a:rPr>
-              <a:t>add</a:t>
-            </a:r>
-          </a:p>
-        </p:txBody>
-      </p:sp>
-      <p:sp>
-        <p:nvSpPr>
-          <p:cNvPr id="31" name="TextBox 30">
-            <a:extLst>
-              <a:ext uri="{FF2B5EF4-FFF2-40B4-BE49-F238E27FC236}">
-                <a16:creationId xmlns:a16="http://schemas.microsoft.com/office/drawing/2014/main" id="{ABCAD5B4-5183-4B66-81C3-77FC9D264062}"/>
-              </a:ext>
-            </a:extLst>
-          </p:cNvPr>
-          <p:cNvSpPr txBox="1"/>
-          <p:nvPr/>
-        </p:nvSpPr>
-        <p:spPr>
-          <a:xfrm>
-            <a:off x="7247437" y="4732819"/>
-            <a:ext cx="1037784" cy="369332"/>
-          </a:xfrm>
-          <a:prstGeom prst="rect">
-            <a:avLst/>
-          </a:prstGeom>
-          <a:noFill/>
-        </p:spPr>
-        <p:txBody>
-          <a:bodyPr wrap="square" rtlCol="0">
-            <a:spAutoFit/>
-          </a:bodyPr>
-          <a:lstStyle/>
-          <a:p>
-            <a:pPr algn="ctr"/>
-            <a:r>
-              <a:rPr lang="en-US" altLang="ko-KR" dirty="0">
-                <a:latin typeface="나눔스퀘어" panose="020B0600000101010101" pitchFamily="50" charset="-127"/>
-                <a:ea typeface="나눔스퀘어" panose="020B0600000101010101" pitchFamily="50" charset="-127"/>
-              </a:rPr>
-              <a:t>commit</a:t>
-            </a:r>
-          </a:p>
-        </p:txBody>
-      </p:sp>
-      <p:sp>
-        <p:nvSpPr>
-          <p:cNvPr id="32" name="TextBox 31">
-            <a:extLst>
-              <a:ext uri="{FF2B5EF4-FFF2-40B4-BE49-F238E27FC236}">
-                <a16:creationId xmlns:a16="http://schemas.microsoft.com/office/drawing/2014/main" id="{B264B71B-7B77-4E8A-85FC-41CCE6A1F304}"/>
-              </a:ext>
-            </a:extLst>
-          </p:cNvPr>
-          <p:cNvSpPr txBox="1"/>
-          <p:nvPr/>
-        </p:nvSpPr>
-        <p:spPr>
-          <a:xfrm>
-            <a:off x="9260137" y="4732819"/>
-            <a:ext cx="1037784" cy="369332"/>
-          </a:xfrm>
-          <a:prstGeom prst="rect">
-            <a:avLst/>
-          </a:prstGeom>
-          <a:noFill/>
-        </p:spPr>
-        <p:txBody>
-          <a:bodyPr wrap="square" rtlCol="0">
-            <a:spAutoFit/>
-          </a:bodyPr>
-          <a:lstStyle/>
-          <a:p>
-            <a:pPr algn="ctr"/>
-            <a:r>
-              <a:rPr lang="en-US" altLang="ko-KR" dirty="0">
-                <a:latin typeface="나눔스퀘어" panose="020B0600000101010101" pitchFamily="50" charset="-127"/>
-                <a:ea typeface="나눔스퀘어" panose="020B0600000101010101" pitchFamily="50" charset="-127"/>
-              </a:rPr>
-              <a:t>push</a:t>
-            </a:r>
-          </a:p>
-        </p:txBody>
-      </p:sp>
-      <p:grpSp>
-        <p:nvGrpSpPr>
-          <p:cNvPr id="37" name="그룹 36">
-            <a:extLst>
-              <a:ext uri="{FF2B5EF4-FFF2-40B4-BE49-F238E27FC236}">
-                <a16:creationId xmlns:a16="http://schemas.microsoft.com/office/drawing/2014/main" id="{D788AFB3-7F55-43AE-BDA3-4FE69B13B4A6}"/>
-              </a:ext>
-            </a:extLst>
-          </p:cNvPr>
-          <p:cNvGrpSpPr/>
-          <p:nvPr/>
-        </p:nvGrpSpPr>
-        <p:grpSpPr>
-          <a:xfrm>
-            <a:off x="221673" y="5252181"/>
-            <a:ext cx="4081879" cy="369332"/>
-            <a:chOff x="221673" y="4180627"/>
-            <a:chExt cx="4081879" cy="369332"/>
-          </a:xfrm>
-        </p:grpSpPr>
-        <p:sp>
-          <p:nvSpPr>
-            <p:cNvPr id="33" name="화살표: 오른쪽 32">
-              <a:extLst>
-                <a:ext uri="{FF2B5EF4-FFF2-40B4-BE49-F238E27FC236}">
-                  <a16:creationId xmlns:a16="http://schemas.microsoft.com/office/drawing/2014/main" id="{ACFF43DA-4BEA-41B8-BB01-23C39AEA30B3}"/>
-                </a:ext>
-              </a:extLst>
-            </p:cNvPr>
-            <p:cNvSpPr/>
-            <p:nvPr/>
-          </p:nvSpPr>
-          <p:spPr>
-            <a:xfrm>
-              <a:off x="221673" y="4235939"/>
-              <a:ext cx="346652" cy="267854"/>
-            </a:xfrm>
-            <a:prstGeom prst="rightArrow">
-              <a:avLst/>
-            </a:prstGeom>
-          </p:spPr>
-          <p:style>
-            <a:lnRef idx="2">
-              <a:schemeClr val="accent1">
-                <a:shade val="50000"/>
-              </a:schemeClr>
-            </a:lnRef>
-            <a:fillRef idx="1">
-              <a:schemeClr val="accent1"/>
-            </a:fillRef>
-            <a:effectRef idx="0">
-              <a:schemeClr val="accent1"/>
-            </a:effectRef>
-            <a:fontRef idx="minor">
-              <a:schemeClr val="lt1"/>
-            </a:fontRef>
-          </p:style>
-          <p:txBody>
-            <a:bodyPr rtlCol="0" anchor="ctr"/>
-            <a:lstStyle/>
-            <a:p>
-              <a:pPr algn="ctr"/>
-              <a:endParaRPr lang="ko-KR" altLang="en-US"/>
-            </a:p>
-          </p:txBody>
-        </p:sp>
-        <p:sp>
-          <p:nvSpPr>
-            <p:cNvPr id="34" name="TextBox 33">
-              <a:extLst>
-                <a:ext uri="{FF2B5EF4-FFF2-40B4-BE49-F238E27FC236}">
-                  <a16:creationId xmlns:a16="http://schemas.microsoft.com/office/drawing/2014/main" id="{A1B65452-FAB1-4BBE-A1DA-E83B6823AA5F}"/>
-                </a:ext>
-              </a:extLst>
-            </p:cNvPr>
-            <p:cNvSpPr txBox="1"/>
-            <p:nvPr/>
-          </p:nvSpPr>
-          <p:spPr>
-            <a:xfrm>
-              <a:off x="697266" y="4180627"/>
-              <a:ext cx="3606286" cy="369332"/>
-            </a:xfrm>
-            <a:prstGeom prst="rect">
-              <a:avLst/>
-            </a:prstGeom>
-            <a:noFill/>
-          </p:spPr>
-          <p:txBody>
-            <a:bodyPr wrap="square" rtlCol="0">
-              <a:spAutoFit/>
-            </a:bodyPr>
-            <a:lstStyle/>
-            <a:p>
-              <a:r>
-                <a:rPr lang="en-US" altLang="ko-KR" dirty="0">
-                  <a:latin typeface="나눔스퀘어" panose="020B0600000101010101" pitchFamily="50" charset="-127"/>
-                  <a:ea typeface="나눔스퀘어" panose="020B0600000101010101" pitchFamily="50" charset="-127"/>
-                </a:rPr>
-                <a:t>git commit –m “</a:t>
-              </a:r>
-              <a:r>
-                <a:rPr lang="ko-KR" altLang="en-US" dirty="0">
-                  <a:latin typeface="나눔스퀘어" panose="020B0600000101010101" pitchFamily="50" charset="-127"/>
-                  <a:ea typeface="나눔스퀘어" panose="020B0600000101010101" pitchFamily="50" charset="-127"/>
-                </a:rPr>
-                <a:t>변경내용 주석＂</a:t>
-              </a:r>
-              <a:endParaRPr lang="en-US" altLang="ko-KR" b="1" dirty="0">
-                <a:latin typeface="나눔스퀘어" panose="020B0600000101010101" pitchFamily="50" charset="-127"/>
-                <a:ea typeface="나눔스퀘어" panose="020B0600000101010101" pitchFamily="50" charset="-127"/>
-              </a:endParaRPr>
-            </a:p>
-          </p:txBody>
-        </p:sp>
-      </p:grpSp>
-      <p:grpSp>
-        <p:nvGrpSpPr>
-          <p:cNvPr id="16" name="그룹 15">
-            <a:extLst>
-              <a:ext uri="{FF2B5EF4-FFF2-40B4-BE49-F238E27FC236}">
-                <a16:creationId xmlns:a16="http://schemas.microsoft.com/office/drawing/2014/main" id="{BB24EE00-8CE3-415A-8C78-09E44F950CEB}"/>
-              </a:ext>
-            </a:extLst>
-          </p:cNvPr>
-          <p:cNvGrpSpPr/>
-          <p:nvPr/>
-        </p:nvGrpSpPr>
-        <p:grpSpPr>
-          <a:xfrm>
-            <a:off x="221673" y="5813229"/>
-            <a:ext cx="2135633" cy="369332"/>
-            <a:chOff x="221673" y="4769331"/>
-            <a:chExt cx="2135633" cy="369332"/>
-          </a:xfrm>
-        </p:grpSpPr>
-        <p:sp>
-          <p:nvSpPr>
-            <p:cNvPr id="35" name="화살표: 오른쪽 34">
-              <a:extLst>
-                <a:ext uri="{FF2B5EF4-FFF2-40B4-BE49-F238E27FC236}">
-                  <a16:creationId xmlns:a16="http://schemas.microsoft.com/office/drawing/2014/main" id="{7B1CA2C4-B5CE-4A17-BC14-4B59DFB63CC7}"/>
-                </a:ext>
-              </a:extLst>
-            </p:cNvPr>
-            <p:cNvSpPr/>
-            <p:nvPr/>
-          </p:nvSpPr>
-          <p:spPr>
-            <a:xfrm>
-              <a:off x="221673" y="4824643"/>
-              <a:ext cx="346652" cy="267854"/>
-            </a:xfrm>
-            <a:prstGeom prst="rightArrow">
-              <a:avLst/>
-            </a:prstGeom>
-          </p:spPr>
-          <p:style>
-            <a:lnRef idx="2">
-              <a:schemeClr val="accent1">
-                <a:shade val="50000"/>
-              </a:schemeClr>
-            </a:lnRef>
-            <a:fillRef idx="1">
-              <a:schemeClr val="accent1"/>
-            </a:fillRef>
-            <a:effectRef idx="0">
-              <a:schemeClr val="accent1"/>
-            </a:effectRef>
-            <a:fontRef idx="minor">
-              <a:schemeClr val="lt1"/>
-            </a:fontRef>
-          </p:style>
-          <p:txBody>
-            <a:bodyPr rtlCol="0" anchor="ctr"/>
-            <a:lstStyle/>
-            <a:p>
-              <a:pPr algn="ctr"/>
-              <a:endParaRPr lang="ko-KR" altLang="en-US"/>
-            </a:p>
-          </p:txBody>
-        </p:sp>
-        <p:sp>
-          <p:nvSpPr>
-            <p:cNvPr id="36" name="TextBox 35">
-              <a:extLst>
-                <a:ext uri="{FF2B5EF4-FFF2-40B4-BE49-F238E27FC236}">
-                  <a16:creationId xmlns:a16="http://schemas.microsoft.com/office/drawing/2014/main" id="{F7CA1121-7106-45A6-8E09-EAADCABF0D4A}"/>
-                </a:ext>
-              </a:extLst>
-            </p:cNvPr>
-            <p:cNvSpPr txBox="1"/>
-            <p:nvPr/>
-          </p:nvSpPr>
-          <p:spPr>
-            <a:xfrm>
-              <a:off x="697266" y="4769331"/>
-              <a:ext cx="1660040" cy="369332"/>
-            </a:xfrm>
-            <a:prstGeom prst="rect">
-              <a:avLst/>
-            </a:prstGeom>
-            <a:noFill/>
-          </p:spPr>
-          <p:txBody>
-            <a:bodyPr wrap="square" rtlCol="0">
-              <a:spAutoFit/>
-            </a:bodyPr>
-            <a:lstStyle/>
-            <a:p>
-              <a:r>
-                <a:rPr lang="en-US" altLang="ko-KR" dirty="0">
-                  <a:latin typeface="나눔스퀘어" panose="020B0600000101010101" pitchFamily="50" charset="-127"/>
-                  <a:ea typeface="나눔스퀘어" panose="020B0600000101010101" pitchFamily="50" charset="-127"/>
-                </a:rPr>
-                <a:t>git push</a:t>
-              </a:r>
-              <a:endParaRPr lang="en-US" altLang="ko-KR" b="1" dirty="0">
-                <a:latin typeface="나눔스퀘어" panose="020B0600000101010101" pitchFamily="50" charset="-127"/>
-                <a:ea typeface="나눔스퀘어" panose="020B0600000101010101" pitchFamily="50" charset="-127"/>
-              </a:endParaRPr>
-            </a:p>
-          </p:txBody>
-        </p:sp>
-      </p:grpSp>
-      <p:grpSp>
-        <p:nvGrpSpPr>
-          <p:cNvPr id="17" name="그룹 16">
-            <a:extLst>
-              <a:ext uri="{FF2B5EF4-FFF2-40B4-BE49-F238E27FC236}">
-                <a16:creationId xmlns:a16="http://schemas.microsoft.com/office/drawing/2014/main" id="{DB1C6393-DDD1-41A7-9728-C1CC317337BD}"/>
-              </a:ext>
-            </a:extLst>
-          </p:cNvPr>
-          <p:cNvGrpSpPr/>
-          <p:nvPr/>
-        </p:nvGrpSpPr>
-        <p:grpSpPr>
-          <a:xfrm>
-            <a:off x="6345797" y="407355"/>
-            <a:ext cx="3622723" cy="2433431"/>
-            <a:chOff x="6168639" y="407355"/>
-            <a:chExt cx="3622723" cy="2433431"/>
-          </a:xfrm>
-        </p:grpSpPr>
-        <p:grpSp>
-          <p:nvGrpSpPr>
-            <p:cNvPr id="39" name="그룹 38">
-              <a:extLst>
-                <a:ext uri="{FF2B5EF4-FFF2-40B4-BE49-F238E27FC236}">
-                  <a16:creationId xmlns:a16="http://schemas.microsoft.com/office/drawing/2014/main" id="{E86E1F83-632E-45CF-9F8E-9FC1FA917CAA}"/>
-                </a:ext>
-              </a:extLst>
-            </p:cNvPr>
-            <p:cNvGrpSpPr/>
-            <p:nvPr/>
-          </p:nvGrpSpPr>
-          <p:grpSpPr>
-            <a:xfrm>
-              <a:off x="6168639" y="407355"/>
-              <a:ext cx="1454805" cy="2433431"/>
-              <a:chOff x="10057976" y="3775406"/>
-              <a:chExt cx="1454805" cy="2433431"/>
-            </a:xfrm>
-          </p:grpSpPr>
-          <p:sp>
-            <p:nvSpPr>
-              <p:cNvPr id="40" name="TextBox 39">
-                <a:extLst>
-                  <a:ext uri="{FF2B5EF4-FFF2-40B4-BE49-F238E27FC236}">
-                    <a16:creationId xmlns:a16="http://schemas.microsoft.com/office/drawing/2014/main" id="{805D30E2-AD7D-48DB-A10D-0596BD24B6B1}"/>
-                  </a:ext>
-                </a:extLst>
-              </p:cNvPr>
-              <p:cNvSpPr txBox="1"/>
-              <p:nvPr/>
-            </p:nvSpPr>
-            <p:spPr>
-              <a:xfrm>
-                <a:off x="10057976" y="5839505"/>
-                <a:ext cx="1454805" cy="369332"/>
-              </a:xfrm>
-              <a:prstGeom prst="rect">
-                <a:avLst/>
-              </a:prstGeom>
-              <a:noFill/>
-            </p:spPr>
-            <p:txBody>
-              <a:bodyPr wrap="square" rtlCol="0">
-                <a:spAutoFit/>
-              </a:bodyPr>
-              <a:lstStyle/>
-              <a:p>
-                <a:pPr algn="ctr"/>
-                <a:r>
-                  <a:rPr lang="ko-KR" altLang="en-US">
-                    <a:latin typeface="나눔스퀘어" panose="020B0600000101010101" pitchFamily="50" charset="-127"/>
-                    <a:ea typeface="나눔스퀘어" panose="020B0600000101010101" pitchFamily="50" charset="-127"/>
-                  </a:rPr>
-                  <a:t>원격저장소</a:t>
-                </a:r>
-                <a:endParaRPr lang="en-US" altLang="ko-KR" dirty="0">
-                  <a:latin typeface="나눔스퀘어" panose="020B0600000101010101" pitchFamily="50" charset="-127"/>
-                  <a:ea typeface="나눔스퀘어" panose="020B0600000101010101" pitchFamily="50" charset="-127"/>
-                </a:endParaRPr>
-              </a:p>
-            </p:txBody>
-          </p:sp>
-          <p:sp>
-            <p:nvSpPr>
-              <p:cNvPr id="41" name="직사각형 40">
-                <a:extLst>
-                  <a:ext uri="{FF2B5EF4-FFF2-40B4-BE49-F238E27FC236}">
-                    <a16:creationId xmlns:a16="http://schemas.microsoft.com/office/drawing/2014/main" id="{4408606E-10DD-4C34-B061-93B2D05037E9}"/>
-                  </a:ext>
-                </a:extLst>
-              </p:cNvPr>
-              <p:cNvSpPr/>
-              <p:nvPr/>
-            </p:nvSpPr>
-            <p:spPr>
-              <a:xfrm>
-                <a:off x="10194039" y="3775406"/>
-                <a:ext cx="1182679" cy="1766412"/>
-              </a:xfrm>
-              <a:prstGeom prst="rect">
-                <a:avLst/>
-              </a:prstGeom>
-              <a:noFill/>
-            </p:spPr>
-            <p:style>
-              <a:lnRef idx="2">
-                <a:schemeClr val="accent1">
-                  <a:shade val="50000"/>
-                </a:schemeClr>
-              </a:lnRef>
-              <a:fillRef idx="1">
-                <a:schemeClr val="accent1"/>
-              </a:fillRef>
-              <a:effectRef idx="0">
-                <a:schemeClr val="accent1"/>
-              </a:effectRef>
-              <a:fontRef idx="minor">
-                <a:schemeClr val="lt1"/>
-              </a:fontRef>
-            </p:style>
-            <p:txBody>
-              <a:bodyPr rtlCol="0" anchor="ctr"/>
-              <a:lstStyle/>
-              <a:p>
-                <a:pPr algn="ctr"/>
-                <a:endParaRPr lang="ko-KR" altLang="en-US"/>
-              </a:p>
-            </p:txBody>
-          </p:sp>
-        </p:grpSp>
-        <p:sp>
-          <p:nvSpPr>
-            <p:cNvPr id="42" name="화살표: 오른쪽 41">
-              <a:extLst>
-                <a:ext uri="{FF2B5EF4-FFF2-40B4-BE49-F238E27FC236}">
-                  <a16:creationId xmlns:a16="http://schemas.microsoft.com/office/drawing/2014/main" id="{2AC5D925-F3E8-4983-A2AF-41AFF4F3910C}"/>
-                </a:ext>
-              </a:extLst>
-            </p:cNvPr>
-            <p:cNvSpPr/>
-            <p:nvPr/>
-          </p:nvSpPr>
-          <p:spPr>
-            <a:xfrm>
-              <a:off x="7744860" y="1379692"/>
-              <a:ext cx="461818" cy="369332"/>
-            </a:xfrm>
-            <a:prstGeom prst="rightArrow">
-              <a:avLst/>
-            </a:prstGeom>
-          </p:spPr>
-          <p:style>
-            <a:lnRef idx="2">
-              <a:schemeClr val="accent1">
-                <a:shade val="50000"/>
-              </a:schemeClr>
-            </a:lnRef>
-            <a:fillRef idx="1">
-              <a:schemeClr val="accent1"/>
-            </a:fillRef>
-            <a:effectRef idx="0">
-              <a:schemeClr val="accent1"/>
-            </a:effectRef>
-            <a:fontRef idx="minor">
-              <a:schemeClr val="lt1"/>
-            </a:fontRef>
-          </p:style>
-          <p:txBody>
-            <a:bodyPr rtlCol="0" anchor="ctr"/>
-            <a:lstStyle/>
-            <a:p>
-              <a:pPr algn="ctr"/>
-              <a:endParaRPr lang="ko-KR" altLang="en-US"/>
-            </a:p>
-          </p:txBody>
-        </p:sp>
-        <p:sp>
-          <p:nvSpPr>
-            <p:cNvPr id="43" name="TextBox 42">
-              <a:extLst>
-                <a:ext uri="{FF2B5EF4-FFF2-40B4-BE49-F238E27FC236}">
-                  <a16:creationId xmlns:a16="http://schemas.microsoft.com/office/drawing/2014/main" id="{2745F545-798B-434A-A4D1-4AD90566A5ED}"/>
-                </a:ext>
-              </a:extLst>
-            </p:cNvPr>
-            <p:cNvSpPr txBox="1"/>
-            <p:nvPr/>
-          </p:nvSpPr>
-          <p:spPr>
-            <a:xfrm>
-              <a:off x="7487381" y="673688"/>
-              <a:ext cx="1037784" cy="369332"/>
-            </a:xfrm>
-            <a:prstGeom prst="rect">
-              <a:avLst/>
-            </a:prstGeom>
-            <a:noFill/>
-          </p:spPr>
-          <p:txBody>
-            <a:bodyPr wrap="square" rtlCol="0">
-              <a:spAutoFit/>
-            </a:bodyPr>
-            <a:lstStyle/>
-            <a:p>
-              <a:pPr algn="ctr"/>
-              <a:r>
-                <a:rPr lang="en-US" altLang="ko-KR" dirty="0">
-                  <a:latin typeface="나눔스퀘어" panose="020B0600000101010101" pitchFamily="50" charset="-127"/>
-                  <a:ea typeface="나눔스퀘어" panose="020B0600000101010101" pitchFamily="50" charset="-127"/>
-                </a:rPr>
-                <a:t>clone</a:t>
-              </a:r>
-            </a:p>
-          </p:txBody>
-        </p:sp>
-        <p:grpSp>
-          <p:nvGrpSpPr>
-            <p:cNvPr id="44" name="그룹 43">
-              <a:extLst>
-                <a:ext uri="{FF2B5EF4-FFF2-40B4-BE49-F238E27FC236}">
-                  <a16:creationId xmlns:a16="http://schemas.microsoft.com/office/drawing/2014/main" id="{43FBF4F4-0358-45E1-BDA5-29C3CFFD6C45}"/>
-                </a:ext>
-              </a:extLst>
-            </p:cNvPr>
-            <p:cNvGrpSpPr/>
-            <p:nvPr/>
-          </p:nvGrpSpPr>
-          <p:grpSpPr>
-            <a:xfrm>
-              <a:off x="8336557" y="407355"/>
-              <a:ext cx="1454805" cy="2433431"/>
-              <a:chOff x="3883813" y="3775406"/>
-              <a:chExt cx="1454805" cy="2433431"/>
-            </a:xfrm>
-          </p:grpSpPr>
-          <p:sp>
-            <p:nvSpPr>
-              <p:cNvPr id="45" name="TextBox 44">
-                <a:extLst>
-                  <a:ext uri="{FF2B5EF4-FFF2-40B4-BE49-F238E27FC236}">
-                    <a16:creationId xmlns:a16="http://schemas.microsoft.com/office/drawing/2014/main" id="{457BC4F8-9BE6-47B4-A8DC-42FA4484A111}"/>
-                  </a:ext>
-                </a:extLst>
-              </p:cNvPr>
-              <p:cNvSpPr txBox="1"/>
-              <p:nvPr/>
-            </p:nvSpPr>
-            <p:spPr>
-              <a:xfrm>
-                <a:off x="3883813" y="5839505"/>
-                <a:ext cx="1454805" cy="369332"/>
-              </a:xfrm>
-              <a:prstGeom prst="rect">
-                <a:avLst/>
-              </a:prstGeom>
-              <a:noFill/>
-            </p:spPr>
-            <p:txBody>
-              <a:bodyPr wrap="square" rtlCol="0">
-                <a:spAutoFit/>
-              </a:bodyPr>
-              <a:lstStyle/>
-              <a:p>
-                <a:pPr algn="ctr"/>
-                <a:r>
-                  <a:rPr lang="ko-KR" altLang="en-US">
-                    <a:latin typeface="나눔스퀘어" panose="020B0600000101010101" pitchFamily="50" charset="-127"/>
-                    <a:ea typeface="나눔스퀘어" panose="020B0600000101010101" pitchFamily="50" charset="-127"/>
-                  </a:rPr>
-                  <a:t>로컬저장소</a:t>
-                </a:r>
-                <a:endParaRPr lang="en-US" altLang="ko-KR" dirty="0">
-                  <a:latin typeface="나눔스퀘어" panose="020B0600000101010101" pitchFamily="50" charset="-127"/>
-                  <a:ea typeface="나눔스퀘어" panose="020B0600000101010101" pitchFamily="50" charset="-127"/>
-                </a:endParaRPr>
-              </a:p>
-            </p:txBody>
-          </p:sp>
-          <p:sp>
-            <p:nvSpPr>
-              <p:cNvPr id="46" name="직사각형 45">
-                <a:extLst>
-                  <a:ext uri="{FF2B5EF4-FFF2-40B4-BE49-F238E27FC236}">
-                    <a16:creationId xmlns:a16="http://schemas.microsoft.com/office/drawing/2014/main" id="{F156373D-578A-4C02-B10F-6241AB1F45A5}"/>
-                  </a:ext>
-                </a:extLst>
-              </p:cNvPr>
-              <p:cNvSpPr/>
-              <p:nvPr/>
-            </p:nvSpPr>
-            <p:spPr>
-              <a:xfrm>
-                <a:off x="4019876" y="3775406"/>
-                <a:ext cx="1182679" cy="1766412"/>
-              </a:xfrm>
-              <a:prstGeom prst="rect">
-                <a:avLst/>
-              </a:prstGeom>
-              <a:noFill/>
-            </p:spPr>
-            <p:style>
-              <a:lnRef idx="2">
-                <a:schemeClr val="accent1">
-                  <a:shade val="50000"/>
-                </a:schemeClr>
-              </a:lnRef>
-              <a:fillRef idx="1">
-                <a:schemeClr val="accent1"/>
-              </a:fillRef>
-              <a:effectRef idx="0">
-                <a:schemeClr val="accent1"/>
-              </a:effectRef>
-              <a:fontRef idx="minor">
-                <a:schemeClr val="lt1"/>
-              </a:fontRef>
-            </p:style>
-            <p:txBody>
-              <a:bodyPr rtlCol="0" anchor="ctr"/>
-              <a:lstStyle/>
-              <a:p>
-                <a:pPr algn="ctr"/>
-                <a:endParaRPr lang="ko-KR" altLang="en-US"/>
-              </a:p>
-            </p:txBody>
-          </p:sp>
-        </p:grpSp>
-        <p:sp>
-          <p:nvSpPr>
-            <p:cNvPr id="53" name="TextBox 52">
-              <a:extLst>
-                <a:ext uri="{FF2B5EF4-FFF2-40B4-BE49-F238E27FC236}">
-                  <a16:creationId xmlns:a16="http://schemas.microsoft.com/office/drawing/2014/main" id="{5BD270F8-6BF5-49A5-ACC6-3587EFBB7B88}"/>
-                </a:ext>
-              </a:extLst>
-            </p:cNvPr>
-            <p:cNvSpPr txBox="1"/>
-            <p:nvPr/>
-          </p:nvSpPr>
-          <p:spPr>
-            <a:xfrm>
-              <a:off x="7487381" y="1009063"/>
-              <a:ext cx="1037784" cy="369332"/>
-            </a:xfrm>
-            <a:prstGeom prst="rect">
-              <a:avLst/>
-            </a:prstGeom>
-            <a:noFill/>
-          </p:spPr>
-          <p:txBody>
-            <a:bodyPr wrap="square" rtlCol="0">
-              <a:spAutoFit/>
-            </a:bodyPr>
-            <a:lstStyle/>
-            <a:p>
-              <a:pPr algn="ctr"/>
-              <a:r>
-                <a:rPr lang="en-US" altLang="ko-KR" dirty="0">
-                  <a:latin typeface="나눔스퀘어" panose="020B0600000101010101" pitchFamily="50" charset="-127"/>
-                  <a:ea typeface="나눔스퀘어" panose="020B0600000101010101" pitchFamily="50" charset="-127"/>
-                </a:rPr>
-                <a:t>pull</a:t>
-              </a:r>
-            </a:p>
-          </p:txBody>
-        </p:sp>
-      </p:grpSp>
-      <p:sp>
-        <p:nvSpPr>
-          <p:cNvPr id="50" name="화살표: 오른쪽 49">
-            <a:extLst>
-              <a:ext uri="{FF2B5EF4-FFF2-40B4-BE49-F238E27FC236}">
-                <a16:creationId xmlns:a16="http://schemas.microsoft.com/office/drawing/2014/main" id="{C4ECE373-3457-4169-B69D-7C8E4C88B5A6}"/>
-              </a:ext>
-            </a:extLst>
-          </p:cNvPr>
-          <p:cNvSpPr/>
-          <p:nvPr/>
-        </p:nvSpPr>
-        <p:spPr>
-          <a:xfrm>
-            <a:off x="221673" y="1928915"/>
-            <a:ext cx="346652" cy="267854"/>
-          </a:xfrm>
-          <a:prstGeom prst="rightArrow">
-            <a:avLst/>
-          </a:prstGeom>
-        </p:spPr>
-        <p:style>
-          <a:lnRef idx="2">
-            <a:schemeClr val="accent1">
-              <a:shade val="50000"/>
-            </a:schemeClr>
-          </a:lnRef>
-          <a:fillRef idx="1">
-            <a:schemeClr val="accent1"/>
-          </a:fillRef>
-          <a:effectRef idx="0">
-            <a:schemeClr val="accent1"/>
-          </a:effectRef>
-          <a:fontRef idx="minor">
-            <a:schemeClr val="lt1"/>
-          </a:fontRef>
-        </p:style>
-        <p:txBody>
-          <a:bodyPr rtlCol="0" anchor="ctr"/>
-          <a:lstStyle/>
-          <a:p>
-            <a:pPr algn="ctr"/>
-            <a:endParaRPr lang="ko-KR" altLang="en-US"/>
-          </a:p>
-        </p:txBody>
-      </p:sp>
-      <p:sp>
-        <p:nvSpPr>
-          <p:cNvPr id="51" name="TextBox 50">
-            <a:extLst>
-              <a:ext uri="{FF2B5EF4-FFF2-40B4-BE49-F238E27FC236}">
-                <a16:creationId xmlns:a16="http://schemas.microsoft.com/office/drawing/2014/main" id="{EF720CE1-7D1D-4804-BB50-9B73987889B1}"/>
-              </a:ext>
-            </a:extLst>
-          </p:cNvPr>
-          <p:cNvSpPr txBox="1"/>
-          <p:nvPr/>
-        </p:nvSpPr>
-        <p:spPr>
-          <a:xfrm>
-            <a:off x="697266" y="1873603"/>
-            <a:ext cx="2431828" cy="369332"/>
-          </a:xfrm>
-          <a:prstGeom prst="rect">
-            <a:avLst/>
-          </a:prstGeom>
-          <a:noFill/>
-        </p:spPr>
-        <p:txBody>
-          <a:bodyPr wrap="square" rtlCol="0">
-            <a:spAutoFit/>
-          </a:bodyPr>
-          <a:lstStyle/>
-          <a:p>
-            <a:r>
-              <a:rPr lang="en-US" altLang="ko-KR" dirty="0">
-                <a:latin typeface="나눔스퀘어" panose="020B0600000101010101" pitchFamily="50" charset="-127"/>
-                <a:ea typeface="나눔스퀘어" panose="020B0600000101010101" pitchFamily="50" charset="-127"/>
-              </a:rPr>
-              <a:t>git pull origin main</a:t>
-            </a:r>
-            <a:endParaRPr lang="en-US" altLang="ko-KR" b="1" dirty="0">
-              <a:latin typeface="나눔스퀘어" panose="020B0600000101010101" pitchFamily="50" charset="-127"/>
-              <a:ea typeface="나눔스퀘어" panose="020B0600000101010101" pitchFamily="50" charset="-127"/>
-            </a:endParaRPr>
-          </a:p>
-        </p:txBody>
-      </p:sp>
-      <p:sp>
-        <p:nvSpPr>
-          <p:cNvPr id="52" name="TextBox 51">
-            <a:extLst>
-              <a:ext uri="{FF2B5EF4-FFF2-40B4-BE49-F238E27FC236}">
-                <a16:creationId xmlns:a16="http://schemas.microsoft.com/office/drawing/2014/main" id="{C5194224-0376-4A86-96CE-3728F90F20B1}"/>
-              </a:ext>
-            </a:extLst>
-          </p:cNvPr>
-          <p:cNvSpPr txBox="1"/>
-          <p:nvPr/>
-        </p:nvSpPr>
-        <p:spPr>
-          <a:xfrm>
-            <a:off x="697266" y="2446258"/>
-            <a:ext cx="5265565" cy="369332"/>
-          </a:xfrm>
-          <a:prstGeom prst="rect">
-            <a:avLst/>
-          </a:prstGeom>
-          <a:noFill/>
-        </p:spPr>
-        <p:txBody>
-          <a:bodyPr wrap="square" rtlCol="0">
-            <a:spAutoFit/>
-          </a:bodyPr>
-          <a:lstStyle/>
-          <a:p>
-            <a:r>
-              <a:rPr lang="ko-KR" altLang="en-US" dirty="0">
-                <a:latin typeface="나눔스퀘어" panose="020B0600000101010101" pitchFamily="50" charset="-127"/>
-                <a:ea typeface="나눔스퀘어" panose="020B0600000101010101" pitchFamily="50" charset="-127"/>
-              </a:rPr>
-              <a:t>원격 저장소의 내용을 로컬저장소로 덮어씌운다</a:t>
-            </a:r>
-            <a:r>
-              <a:rPr lang="en-US" altLang="ko-KR" dirty="0">
-                <a:latin typeface="나눔스퀘어" panose="020B0600000101010101" pitchFamily="50" charset="-127"/>
-                <a:ea typeface="나눔스퀘어" panose="020B0600000101010101" pitchFamily="50" charset="-127"/>
-              </a:rPr>
-              <a:t>.</a:t>
-            </a:r>
-          </a:p>
-        </p:txBody>
-      </p:sp>
-    </p:spTree>
-    <p:extLst>
-      <p:ext uri="{BB962C8B-B14F-4D97-AF65-F5344CB8AC3E}">
-        <p14:creationId xmlns:p14="http://schemas.microsoft.com/office/powerpoint/2010/main" val="163409052"/>
-      </p:ext>
-    </p:extLst>
-  </p:cSld>
-  <p:clrMapOvr>
-    <a:masterClrMapping/>
-  </p:clrMapOvr>
-</p:sld>
-</file>
-
 <file path=ppt/theme/theme1.xml><?xml version="1.0" encoding="utf-8"?>
 <a:theme xmlns:a="http://schemas.openxmlformats.org/drawingml/2006/main" name="Office 테마">
   <a:themeElements>
